--- a/EE0 Intro.pptx
+++ b/EE0 Intro.pptx
@@ -5,16 +5,20 @@
     <p:sldMasterId id="2147483648" r:id="rId1"/>
   </p:sldMasterIdLst>
   <p:handoutMasterIdLst>
-    <p:handoutMasterId r:id="rId9"/>
+    <p:handoutMasterId r:id="rId13"/>
   </p:handoutMasterIdLst>
   <p:sldIdLst>
     <p:sldId id="256" r:id="rId2"/>
-    <p:sldId id="258" r:id="rId3"/>
-    <p:sldId id="290" r:id="rId4"/>
-    <p:sldId id="293" r:id="rId5"/>
-    <p:sldId id="292" r:id="rId6"/>
-    <p:sldId id="273" r:id="rId7"/>
-    <p:sldId id="291" r:id="rId8"/>
+    <p:sldId id="294" r:id="rId3"/>
+    <p:sldId id="310" r:id="rId4"/>
+    <p:sldId id="318" r:id="rId5"/>
+    <p:sldId id="311" r:id="rId6"/>
+    <p:sldId id="258" r:id="rId7"/>
+    <p:sldId id="290" r:id="rId8"/>
+    <p:sldId id="292" r:id="rId9"/>
+    <p:sldId id="273" r:id="rId10"/>
+    <p:sldId id="293" r:id="rId11"/>
+    <p:sldId id="291" r:id="rId12"/>
   </p:sldIdLst>
   <p:sldSz cx="9144000" cy="6858000" type="screen4x3"/>
   <p:notesSz cx="6772275" cy="9902825"/>
@@ -3607,16 +3611,10 @@
           <a:p>
             <a:pPr eaLnBrk="1" hangingPunct="1"/>
             <a:r>
-              <a:rPr lang="de-DE" dirty="0" smtClean="0">
-                <a:latin typeface="Candara" panose="020E0502030303020204" pitchFamily="34" charset="0"/>
-              </a:rPr>
-              <a:t>L1088 Environmental </a:t>
-            </a:r>
-            <a:r>
               <a:rPr lang="de-DE" dirty="0">
                 <a:latin typeface="Candara" panose="020E0502030303020204" pitchFamily="34" charset="0"/>
               </a:rPr>
-              <a:t>Economics</a:t>
+              <a:t>L1088 Environmental Economics</a:t>
             </a:r>
             <a:endParaRPr lang="en-GB" dirty="0">
               <a:latin typeface="Candara" panose="020E0502030303020204" pitchFamily="34" charset="0"/>
@@ -3644,17 +3642,8 @@
               <a:rPr lang="de-DE" dirty="0">
                 <a:latin typeface="Candara" panose="020E0502030303020204" pitchFamily="34" charset="0"/>
               </a:rPr>
-              <a:t>Richard </a:t>
-            </a:r>
-            <a:r>
-              <a:rPr lang="de-DE" dirty="0" smtClean="0">
-                <a:latin typeface="Candara" panose="020E0502030303020204" pitchFamily="34" charset="0"/>
-              </a:rPr>
-              <a:t>S.J. Tol</a:t>
-            </a:r>
-            <a:endParaRPr lang="de-DE" dirty="0">
-              <a:latin typeface="Candara" panose="020E0502030303020204" pitchFamily="34" charset="0"/>
-            </a:endParaRPr>
+              <a:t>Richard S.J. Tol</a:t>
+            </a:r>
           </a:p>
         </p:txBody>
       </p:sp>
@@ -3663,13 +3652,442 @@
   <p:clrMapOvr>
     <a:masterClrMapping/>
   </p:clrMapOvr>
-  <p:timing>
-    <p:tnLst>
-      <p:par>
-        <p:cTn id="1" dur="indefinite" restart="never" nodeType="tmRoot"/>
-      </p:par>
-    </p:tnLst>
-  </p:timing>
+</p:sld>
+</file>
+
+<file path=ppt/slides/slide10.xml><?xml version="1.0" encoding="utf-8"?>
+<p:sld xmlns:a="http://schemas.openxmlformats.org/drawingml/2006/main" xmlns:r="http://schemas.openxmlformats.org/officeDocument/2006/relationships" xmlns:p="http://schemas.openxmlformats.org/presentationml/2006/main">
+  <p:cSld>
+    <p:spTree>
+      <p:nvGrpSpPr>
+        <p:cNvPr id="1" name=""/>
+        <p:cNvGrpSpPr/>
+        <p:nvPr/>
+      </p:nvGrpSpPr>
+      <p:grpSpPr>
+        <a:xfrm>
+          <a:off x="0" y="0"/>
+          <a:ext cx="0" cy="0"/>
+          <a:chOff x="0" y="0"/>
+          <a:chExt cx="0" cy="0"/>
+        </a:xfrm>
+      </p:grpSpPr>
+      <p:sp>
+        <p:nvSpPr>
+          <p:cNvPr id="3074" name="Rectangle 2"/>
+          <p:cNvSpPr>
+            <a:spLocks noGrp="1" noChangeArrowheads="1"/>
+          </p:cNvSpPr>
+          <p:nvPr>
+            <p:ph type="title"/>
+          </p:nvPr>
+        </p:nvSpPr>
+        <p:spPr>
+          <a:xfrm>
+            <a:off x="685800" y="0"/>
+            <a:ext cx="7772400" cy="1143000"/>
+          </a:xfrm>
+        </p:spPr>
+        <p:txBody>
+          <a:bodyPr/>
+          <a:lstStyle/>
+          <a:p>
+            <a:pPr eaLnBrk="1" hangingPunct="1"/>
+            <a:r>
+              <a:rPr lang="de-DE" sz="3600" dirty="0">
+                <a:latin typeface="Candara" panose="020E0502030303020204" pitchFamily="34" charset="0"/>
+              </a:rPr>
+              <a:t>Monday Seminars</a:t>
+            </a:r>
+            <a:endParaRPr lang="en-GB" sz="3600" dirty="0">
+              <a:latin typeface="Candara" panose="020E0502030303020204" pitchFamily="34" charset="0"/>
+            </a:endParaRPr>
+          </a:p>
+        </p:txBody>
+      </p:sp>
+      <p:sp>
+        <p:nvSpPr>
+          <p:cNvPr id="3075" name="Rectangle 3"/>
+          <p:cNvSpPr>
+            <a:spLocks noGrp="1" noChangeArrowheads="1"/>
+          </p:cNvSpPr>
+          <p:nvPr>
+            <p:ph type="body" idx="1"/>
+          </p:nvPr>
+        </p:nvSpPr>
+        <p:spPr>
+          <a:xfrm>
+            <a:off x="533400" y="1130147"/>
+            <a:ext cx="7772400" cy="4495800"/>
+          </a:xfrm>
+        </p:spPr>
+        <p:txBody>
+          <a:bodyPr/>
+          <a:lstStyle/>
+          <a:p>
+            <a:pPr eaLnBrk="1" hangingPunct="1">
+              <a:lnSpc>
+                <a:spcPct val="90000"/>
+              </a:lnSpc>
+            </a:pPr>
+            <a:r>
+              <a:rPr lang="de-DE" sz="2800" dirty="0">
+                <a:latin typeface="Candara" panose="020E0502030303020204" pitchFamily="34" charset="0"/>
+              </a:rPr>
+              <a:t>Group 3: 11 am, Silverstone SB317</a:t>
+            </a:r>
+          </a:p>
+          <a:p>
+            <a:pPr eaLnBrk="1" hangingPunct="1">
+              <a:lnSpc>
+                <a:spcPct val="90000"/>
+              </a:lnSpc>
+            </a:pPr>
+            <a:r>
+              <a:rPr lang="de-DE" sz="2800" dirty="0">
+                <a:latin typeface="Candara" panose="020E0502030303020204" pitchFamily="34" charset="0"/>
+              </a:rPr>
+              <a:t>Group 4: 12 </a:t>
+            </a:r>
+            <a:r>
+              <a:rPr lang="de-DE" sz="2800" dirty="0" err="1">
+                <a:latin typeface="Candara" panose="020E0502030303020204" pitchFamily="34" charset="0"/>
+              </a:rPr>
+              <a:t>noon</a:t>
+            </a:r>
+            <a:r>
+              <a:rPr lang="de-DE" sz="2800" dirty="0">
+                <a:latin typeface="Candara" panose="020E0502030303020204" pitchFamily="34" charset="0"/>
+              </a:rPr>
+              <a:t>, </a:t>
+            </a:r>
+            <a:r>
+              <a:rPr lang="de-DE" sz="2800" dirty="0" err="1">
+                <a:latin typeface="Candara" panose="020E0502030303020204" pitchFamily="34" charset="0"/>
+              </a:rPr>
+              <a:t>Pevensey</a:t>
+            </a:r>
+            <a:r>
+              <a:rPr lang="de-DE" sz="2800" dirty="0">
+                <a:latin typeface="Candara" panose="020E0502030303020204" pitchFamily="34" charset="0"/>
+              </a:rPr>
+              <a:t> 1 1B8</a:t>
+            </a:r>
+          </a:p>
+          <a:p>
+            <a:pPr eaLnBrk="1" hangingPunct="1">
+              <a:lnSpc>
+                <a:spcPct val="90000"/>
+              </a:lnSpc>
+            </a:pPr>
+            <a:r>
+              <a:rPr lang="de-DE" sz="2800" dirty="0">
+                <a:latin typeface="Candara" panose="020E0502030303020204" pitchFamily="34" charset="0"/>
+              </a:rPr>
+              <a:t>Group 2: 2 </a:t>
+            </a:r>
+            <a:r>
+              <a:rPr lang="de-DE" sz="2800" dirty="0" err="1">
+                <a:latin typeface="Candara" panose="020E0502030303020204" pitchFamily="34" charset="0"/>
+              </a:rPr>
+              <a:t>pm</a:t>
+            </a:r>
+            <a:endParaRPr lang="de-DE" sz="2800" dirty="0">
+              <a:latin typeface="Candara" panose="020E0502030303020204" pitchFamily="34" charset="0"/>
+            </a:endParaRPr>
+          </a:p>
+          <a:p>
+            <a:pPr eaLnBrk="1" hangingPunct="1">
+              <a:lnSpc>
+                <a:spcPct val="90000"/>
+              </a:lnSpc>
+            </a:pPr>
+            <a:r>
+              <a:rPr lang="de-DE" sz="2800" dirty="0">
+                <a:latin typeface="Candara" panose="020E0502030303020204" pitchFamily="34" charset="0"/>
+              </a:rPr>
+              <a:t>Group 1: 3 </a:t>
+            </a:r>
+            <a:r>
+              <a:rPr lang="de-DE" sz="2800" dirty="0" err="1">
+                <a:latin typeface="Candara" panose="020E0502030303020204" pitchFamily="34" charset="0"/>
+              </a:rPr>
+              <a:t>pm</a:t>
+            </a:r>
+            <a:r>
+              <a:rPr lang="de-DE" sz="2800" dirty="0">
+                <a:latin typeface="Candara" panose="020E0502030303020204" pitchFamily="34" charset="0"/>
+              </a:rPr>
+              <a:t>, Jubilee G36</a:t>
+            </a:r>
+          </a:p>
+          <a:p>
+            <a:pPr eaLnBrk="1" hangingPunct="1">
+              <a:lnSpc>
+                <a:spcPct val="90000"/>
+              </a:lnSpc>
+            </a:pPr>
+            <a:endParaRPr lang="de-DE" sz="2800" dirty="0">
+              <a:latin typeface="Candara" panose="020E0502030303020204" pitchFamily="34" charset="0"/>
+            </a:endParaRPr>
+          </a:p>
+          <a:p>
+            <a:pPr eaLnBrk="1" hangingPunct="1">
+              <a:lnSpc>
+                <a:spcPct val="90000"/>
+              </a:lnSpc>
+            </a:pPr>
+            <a:r>
+              <a:rPr lang="en-GB" sz="2800" b="0" i="0" dirty="0">
+                <a:solidFill>
+                  <a:srgbClr val="242424"/>
+                </a:solidFill>
+                <a:effectLst/>
+                <a:latin typeface="Candara" panose="020E0502030303020204" pitchFamily="34" charset="0"/>
+              </a:rPr>
+              <a:t>Group 2:</a:t>
+            </a:r>
+          </a:p>
+          <a:p>
+            <a:pPr lvl="1" eaLnBrk="1" hangingPunct="1">
+              <a:lnSpc>
+                <a:spcPct val="90000"/>
+              </a:lnSpc>
+            </a:pPr>
+            <a:r>
+              <a:rPr lang="en-GB" sz="2400" b="0" i="0" dirty="0">
+                <a:solidFill>
+                  <a:srgbClr val="242424"/>
+                </a:solidFill>
+                <a:effectLst/>
+                <a:latin typeface="Candara" panose="020E0502030303020204" pitchFamily="34" charset="0"/>
+              </a:rPr>
+              <a:t>week 1, 7, 9 in Ashdown House G5</a:t>
+            </a:r>
+          </a:p>
+          <a:p>
+            <a:pPr lvl="1" eaLnBrk="1" hangingPunct="1">
+              <a:lnSpc>
+                <a:spcPct val="90000"/>
+              </a:lnSpc>
+            </a:pPr>
+            <a:r>
+              <a:rPr lang="en-GB" sz="2400" b="0" i="0" dirty="0">
+                <a:solidFill>
+                  <a:srgbClr val="242424"/>
+                </a:solidFill>
+                <a:effectLst/>
+                <a:latin typeface="Candara" panose="020E0502030303020204" pitchFamily="34" charset="0"/>
+              </a:rPr>
+              <a:t>week 2, 4, 6, 8, 10 in Fulton 203</a:t>
+            </a:r>
+          </a:p>
+          <a:p>
+            <a:pPr lvl="1" eaLnBrk="1" hangingPunct="1">
+              <a:lnSpc>
+                <a:spcPct val="90000"/>
+              </a:lnSpc>
+            </a:pPr>
+            <a:r>
+              <a:rPr lang="en-GB" sz="2400" b="0" i="0" dirty="0">
+                <a:solidFill>
+                  <a:srgbClr val="242424"/>
+                </a:solidFill>
+                <a:effectLst/>
+                <a:latin typeface="Candara" panose="020E0502030303020204" pitchFamily="34" charset="0"/>
+              </a:rPr>
+              <a:t>week 3 in Pevensey 1 1B3</a:t>
+            </a:r>
+          </a:p>
+          <a:p>
+            <a:pPr lvl="1" eaLnBrk="1" hangingPunct="1">
+              <a:lnSpc>
+                <a:spcPct val="90000"/>
+              </a:lnSpc>
+            </a:pPr>
+            <a:r>
+              <a:rPr lang="en-GB" sz="2400" b="0" i="0" dirty="0">
+                <a:solidFill>
+                  <a:srgbClr val="242424"/>
+                </a:solidFill>
+                <a:effectLst/>
+                <a:latin typeface="Candara" panose="020E0502030303020204" pitchFamily="34" charset="0"/>
+              </a:rPr>
+              <a:t>week 5 in Bramber House 255</a:t>
+            </a:r>
+          </a:p>
+          <a:p>
+            <a:pPr lvl="1" eaLnBrk="1" hangingPunct="1">
+              <a:lnSpc>
+                <a:spcPct val="90000"/>
+              </a:lnSpc>
+            </a:pPr>
+            <a:r>
+              <a:rPr lang="en-GB" sz="2400" b="0" i="0" dirty="0">
+                <a:solidFill>
+                  <a:srgbClr val="242424"/>
+                </a:solidFill>
+                <a:effectLst/>
+                <a:latin typeface="Candara" panose="020E0502030303020204" pitchFamily="34" charset="0"/>
+              </a:rPr>
+              <a:t>week 11 in Jubilee G31</a:t>
+            </a:r>
+            <a:endParaRPr lang="en-GB" sz="2400" dirty="0">
+              <a:latin typeface="Candara" panose="020E0502030303020204" pitchFamily="34" charset="0"/>
+            </a:endParaRPr>
+          </a:p>
+        </p:txBody>
+      </p:sp>
+    </p:spTree>
+    <p:extLst>
+      <p:ext uri="{BB962C8B-B14F-4D97-AF65-F5344CB8AC3E}">
+        <p14:creationId xmlns:p14="http://schemas.microsoft.com/office/powerpoint/2010/main" val="3907867784"/>
+      </p:ext>
+    </p:extLst>
+  </p:cSld>
+  <p:clrMapOvr>
+    <a:masterClrMapping/>
+  </p:clrMapOvr>
+</p:sld>
+</file>
+
+<file path=ppt/slides/slide11.xml><?xml version="1.0" encoding="utf-8"?>
+<p:sld xmlns:a="http://schemas.openxmlformats.org/drawingml/2006/main" xmlns:r="http://schemas.openxmlformats.org/officeDocument/2006/relationships" xmlns:p="http://schemas.openxmlformats.org/presentationml/2006/main">
+  <p:cSld>
+    <p:spTree>
+      <p:nvGrpSpPr>
+        <p:cNvPr id="1" name=""/>
+        <p:cNvGrpSpPr/>
+        <p:nvPr/>
+      </p:nvGrpSpPr>
+      <p:grpSpPr>
+        <a:xfrm>
+          <a:off x="0" y="0"/>
+          <a:ext cx="0" cy="0"/>
+          <a:chOff x="0" y="0"/>
+          <a:chExt cx="0" cy="0"/>
+        </a:xfrm>
+      </p:grpSpPr>
+      <p:sp>
+        <p:nvSpPr>
+          <p:cNvPr id="5122" name="Rectangle 2"/>
+          <p:cNvSpPr>
+            <a:spLocks noGrp="1" noChangeArrowheads="1"/>
+          </p:cNvSpPr>
+          <p:nvPr>
+            <p:ph type="title"/>
+          </p:nvPr>
+        </p:nvSpPr>
+        <p:spPr>
+          <a:xfrm>
+            <a:off x="685800" y="0"/>
+            <a:ext cx="7772400" cy="1143000"/>
+          </a:xfrm>
+        </p:spPr>
+        <p:txBody>
+          <a:bodyPr/>
+          <a:lstStyle/>
+          <a:p>
+            <a:pPr eaLnBrk="1" hangingPunct="1"/>
+            <a:r>
+              <a:rPr lang="de-DE" sz="3600" dirty="0">
+                <a:latin typeface="Candara" panose="020E0502030303020204" pitchFamily="34" charset="0"/>
+              </a:rPr>
+              <a:t>Grades</a:t>
+            </a:r>
+            <a:endParaRPr lang="en-GB" sz="3600" dirty="0">
+              <a:latin typeface="Candara" panose="020E0502030303020204" pitchFamily="34" charset="0"/>
+            </a:endParaRPr>
+          </a:p>
+        </p:txBody>
+      </p:sp>
+      <p:sp>
+        <p:nvSpPr>
+          <p:cNvPr id="5123" name="Rectangle 3"/>
+          <p:cNvSpPr>
+            <a:spLocks noGrp="1" noChangeArrowheads="1"/>
+          </p:cNvSpPr>
+          <p:nvPr>
+            <p:ph type="body" idx="1"/>
+          </p:nvPr>
+        </p:nvSpPr>
+        <p:spPr>
+          <a:xfrm>
+            <a:off x="685800" y="1066800"/>
+            <a:ext cx="7772400" cy="5029200"/>
+          </a:xfrm>
+        </p:spPr>
+        <p:txBody>
+          <a:bodyPr/>
+          <a:lstStyle/>
+          <a:p>
+            <a:pPr eaLnBrk="1" hangingPunct="1"/>
+            <a:r>
+              <a:rPr lang="de-DE" sz="2800" dirty="0">
+                <a:latin typeface="Candara" panose="020E0502030303020204" pitchFamily="34" charset="0"/>
+              </a:rPr>
+              <a:t>70% </a:t>
+            </a:r>
+            <a:r>
+              <a:rPr lang="de-DE" sz="2800" dirty="0" err="1">
+                <a:latin typeface="Candara" panose="020E0502030303020204" pitchFamily="34" charset="0"/>
+              </a:rPr>
+              <a:t>take-home</a:t>
+            </a:r>
+            <a:r>
+              <a:rPr lang="de-DE" sz="2800" dirty="0">
+                <a:latin typeface="Candara" panose="020E0502030303020204" pitchFamily="34" charset="0"/>
+              </a:rPr>
+              <a:t> </a:t>
+            </a:r>
+            <a:r>
+              <a:rPr lang="de-DE" sz="2800" dirty="0" err="1">
+                <a:latin typeface="Candara" panose="020E0502030303020204" pitchFamily="34" charset="0"/>
+              </a:rPr>
+              <a:t>exam</a:t>
+            </a:r>
+            <a:endParaRPr lang="de-DE" sz="2800" dirty="0">
+              <a:latin typeface="Candara" panose="020E0502030303020204" pitchFamily="34" charset="0"/>
+            </a:endParaRPr>
+          </a:p>
+          <a:p>
+            <a:pPr eaLnBrk="1" hangingPunct="1"/>
+            <a:r>
+              <a:rPr lang="de-DE" sz="2800" dirty="0">
+                <a:latin typeface="Candara" panose="020E0502030303020204" pitchFamily="34" charset="0"/>
+              </a:rPr>
+              <a:t>30% 2,000 word essay</a:t>
+            </a:r>
+          </a:p>
+          <a:p>
+            <a:pPr marL="0" indent="0" eaLnBrk="1" hangingPunct="1">
+              <a:buNone/>
+            </a:pPr>
+            <a:endParaRPr lang="de-DE" sz="2800" dirty="0">
+              <a:latin typeface="Candara" panose="020E0502030303020204" pitchFamily="34" charset="0"/>
+            </a:endParaRPr>
+          </a:p>
+          <a:p>
+            <a:pPr eaLnBrk="1" hangingPunct="1"/>
+            <a:r>
+              <a:rPr lang="de-DE" sz="2800" dirty="0">
+                <a:latin typeface="Candara" panose="020E0502030303020204" pitchFamily="34" charset="0"/>
+              </a:rPr>
+              <a:t>Quizzes on Canvas are graded but do not count, for revision only</a:t>
+            </a:r>
+          </a:p>
+        </p:txBody>
+      </p:sp>
+    </p:spTree>
+    <p:extLst>
+      <p:ext uri="{BB962C8B-B14F-4D97-AF65-F5344CB8AC3E}">
+        <p14:creationId xmlns:p14="http://schemas.microsoft.com/office/powerpoint/2010/main" val="126692646"/>
+      </p:ext>
+    </p:extLst>
+  </p:cSld>
+  <p:clrMapOvr>
+    <a:masterClrMapping/>
+  </p:clrMapOvr>
 </p:sld>
 </file>
 
@@ -3692,7 +4110,7 @@
       </p:grpSpPr>
       <p:sp>
         <p:nvSpPr>
-          <p:cNvPr id="3074" name="Rectangle 2"/>
+          <p:cNvPr id="5122" name="Rectangle 2"/>
           <p:cNvSpPr>
             <a:spLocks noGrp="1" noChangeArrowheads="1"/>
           </p:cNvSpPr>
@@ -3702,7 +4120,7 @@
         </p:nvSpPr>
         <p:spPr>
           <a:xfrm>
-            <a:off x="685800" y="0"/>
+            <a:off x="609600" y="-105697"/>
             <a:ext cx="7772400" cy="1143000"/>
           </a:xfrm>
         </p:spPr>
@@ -3710,26 +4128,13 @@
           <a:bodyPr/>
           <a:lstStyle/>
           <a:p>
-            <a:pPr eaLnBrk="1" hangingPunct="1"/>
-            <a:r>
-              <a:rPr lang="de-DE" sz="3600" dirty="0" err="1">
-                <a:latin typeface="Candara" panose="020E0502030303020204" pitchFamily="34" charset="0"/>
-              </a:rPr>
-              <a:t>About</a:t>
-            </a:r>
-            <a:r>
-              <a:rPr lang="de-DE" sz="3600" dirty="0">
-                <a:latin typeface="Candara" panose="020E0502030303020204" pitchFamily="34" charset="0"/>
-              </a:rPr>
-              <a:t> </a:t>
-            </a:r>
-            <a:r>
-              <a:rPr lang="de-DE" sz="3600" dirty="0" err="1">
-                <a:latin typeface="Candara" panose="020E0502030303020204" pitchFamily="34" charset="0"/>
-              </a:rPr>
-              <a:t>me</a:t>
-            </a:r>
-            <a:endParaRPr lang="en-GB" sz="3600" dirty="0">
+            <a:r>
+              <a:rPr lang="de-DE" sz="3200" dirty="0">
+                <a:latin typeface="Candara" panose="020E0502030303020204" pitchFamily="34" charset="0"/>
+              </a:rPr>
+              <a:t>A very short introduction</a:t>
+            </a:r>
+            <a:endParaRPr lang="en-GB" sz="3200" dirty="0">
               <a:latin typeface="Candara" panose="020E0502030303020204" pitchFamily="34" charset="0"/>
             </a:endParaRPr>
           </a:p>
@@ -3737,7 +4142,7 @@
       </p:sp>
       <p:sp>
         <p:nvSpPr>
-          <p:cNvPr id="3075" name="Rectangle 3"/>
+          <p:cNvPr id="5123" name="Rectangle 3"/>
           <p:cNvSpPr>
             <a:spLocks noGrp="1" noChangeArrowheads="1"/>
           </p:cNvSpPr>
@@ -3747,200 +4152,118 @@
         </p:nvSpPr>
         <p:spPr>
           <a:xfrm>
-            <a:off x="685800" y="1143000"/>
-            <a:ext cx="7772400" cy="4495800"/>
+            <a:off x="152400" y="914400"/>
+            <a:ext cx="8991600" cy="5257800"/>
           </a:xfrm>
         </p:spPr>
         <p:txBody>
           <a:bodyPr/>
           <a:lstStyle/>
           <a:p>
-            <a:pPr eaLnBrk="1" hangingPunct="1">
-              <a:lnSpc>
-                <a:spcPct val="90000"/>
-              </a:lnSpc>
+            <a:r>
+              <a:rPr lang="en-GB" sz="2400" dirty="0">
+                <a:latin typeface="Candara" panose="020E0502030303020204" pitchFamily="34" charset="0"/>
+              </a:rPr>
+              <a:t>A free market will not deliver environmental quality</a:t>
+            </a:r>
+          </a:p>
+          <a:p>
+            <a:r>
+              <a:rPr lang="en-GB" sz="2400" dirty="0">
+                <a:latin typeface="Candara" panose="020E0502030303020204" pitchFamily="34" charset="0"/>
+              </a:rPr>
+              <a:t>Environmental economics is about</a:t>
+            </a:r>
+          </a:p>
+          <a:p>
+            <a:pPr lvl="1"/>
+            <a:r>
+              <a:rPr lang="en-GB" sz="2000" dirty="0">
+                <a:latin typeface="Candara" panose="020E0502030303020204" pitchFamily="34" charset="0"/>
+              </a:rPr>
+              <a:t>the desired environmental quality and</a:t>
+            </a:r>
+          </a:p>
+          <a:p>
+            <a:pPr lvl="1"/>
+            <a:r>
+              <a:rPr lang="en-GB" sz="2000" dirty="0">
+                <a:latin typeface="Candara" panose="020E0502030303020204" pitchFamily="34" charset="0"/>
+              </a:rPr>
+              <a:t>the best way of delivering that</a:t>
+            </a:r>
+          </a:p>
+          <a:p>
+            <a:r>
+              <a:rPr lang="en-GB" sz="2400" dirty="0">
+                <a:latin typeface="Candara" panose="020E0502030303020204" pitchFamily="34" charset="0"/>
+              </a:rPr>
+              <a:t>It is a framework for thinking about trade-offs</a:t>
+            </a:r>
+          </a:p>
+          <a:p>
+            <a:r>
+              <a:rPr lang="en-GB" sz="2400" dirty="0">
+                <a:latin typeface="Candara" panose="020E0502030303020204" pitchFamily="34" charset="0"/>
+              </a:rPr>
+              <a:t>Zero pollution is not desirable</a:t>
+            </a:r>
+          </a:p>
+          <a:p>
+            <a:r>
+              <a:rPr lang="en-GB" sz="2400" dirty="0">
+                <a:latin typeface="Candara" panose="020E0502030303020204" pitchFamily="34" charset="0"/>
+              </a:rPr>
+              <a:t>We can price goods and services that are not traded on markets</a:t>
+            </a:r>
+          </a:p>
+          <a:p>
+            <a:r>
+              <a:rPr lang="en-GB" sz="2400" dirty="0">
+                <a:latin typeface="Candara" panose="020E0502030303020204" pitchFamily="34" charset="0"/>
+              </a:rPr>
+              <a:t>Command and control rarely works</a:t>
+            </a:r>
+          </a:p>
+          <a:p>
+            <a:r>
+              <a:rPr lang="en-GB" sz="2400" dirty="0">
+                <a:latin typeface="Candara" panose="020E0502030303020204" pitchFamily="34" charset="0"/>
+              </a:rPr>
+              <a:t>Market-based instruments protect the environment at lower cost</a:t>
+            </a:r>
+          </a:p>
+          <a:p>
+            <a:r>
+              <a:rPr lang="en-GB" sz="2400" dirty="0">
+                <a:latin typeface="Candara" panose="020E0502030303020204" pitchFamily="34" charset="0"/>
+              </a:rPr>
+              <a:t>The burden of pollution often falls heaviest on the marginalized</a:t>
+            </a:r>
+          </a:p>
+          <a:p>
+            <a:r>
+              <a:rPr lang="en-GB" sz="2400" dirty="0">
+                <a:latin typeface="Candara" panose="020E0502030303020204" pitchFamily="34" charset="0"/>
+              </a:rPr>
+              <a:t>We can extend the national accounts to the environment</a:t>
+            </a:r>
+          </a:p>
+          <a:p>
+            <a:pPr marL="0" indent="0">
+              <a:buNone/>
             </a:pPr>
-            <a:r>
-              <a:rPr lang="de-DE" sz="2800" dirty="0">
-                <a:latin typeface="Candara" panose="020E0502030303020204" pitchFamily="34" charset="0"/>
-              </a:rPr>
-              <a:t>Dr Richard S.J. Tol </a:t>
-            </a:r>
-            <a:r>
-              <a:rPr lang="de-DE" sz="2800" dirty="0" smtClean="0">
-                <a:latin typeface="Candara" panose="020E0502030303020204" pitchFamily="34" charset="0"/>
-              </a:rPr>
-              <a:t>MAE</a:t>
-            </a:r>
-            <a:endParaRPr lang="de-DE" sz="2800" dirty="0">
+            <a:endParaRPr lang="en-GB" sz="2400" dirty="0">
               <a:latin typeface="Candara" panose="020E0502030303020204" pitchFamily="34" charset="0"/>
             </a:endParaRPr>
           </a:p>
-          <a:p>
-            <a:pPr eaLnBrk="1" hangingPunct="1">
-              <a:lnSpc>
-                <a:spcPct val="90000"/>
-              </a:lnSpc>
-            </a:pPr>
-            <a:r>
-              <a:rPr lang="de-DE" sz="2800" dirty="0">
-                <a:latin typeface="Candara" panose="020E0502030303020204" pitchFamily="34" charset="0"/>
-              </a:rPr>
-              <a:t>Professor of </a:t>
-            </a:r>
-            <a:r>
-              <a:rPr lang="de-DE" sz="2800" dirty="0" err="1">
-                <a:latin typeface="Candara" panose="020E0502030303020204" pitchFamily="34" charset="0"/>
-              </a:rPr>
-              <a:t>economics</a:t>
-            </a:r>
-            <a:endParaRPr lang="de-DE" sz="2800" dirty="0">
-              <a:latin typeface="Candara" panose="020E0502030303020204" pitchFamily="34" charset="0"/>
-            </a:endParaRPr>
-          </a:p>
-          <a:p>
-            <a:pPr eaLnBrk="1" hangingPunct="1">
-              <a:lnSpc>
-                <a:spcPct val="90000"/>
-              </a:lnSpc>
-            </a:pPr>
-            <a:r>
-              <a:rPr lang="de-DE" sz="2800" dirty="0" err="1">
-                <a:latin typeface="Candara" panose="020E0502030303020204" pitchFamily="34" charset="0"/>
-              </a:rPr>
-              <a:t>Jubilee</a:t>
-            </a:r>
-            <a:r>
-              <a:rPr lang="de-DE" sz="2800" dirty="0">
-                <a:latin typeface="Candara" panose="020E0502030303020204" pitchFamily="34" charset="0"/>
-              </a:rPr>
-              <a:t> 281</a:t>
-            </a:r>
-          </a:p>
-          <a:p>
-            <a:pPr eaLnBrk="1" hangingPunct="1">
-              <a:lnSpc>
-                <a:spcPct val="90000"/>
-              </a:lnSpc>
-            </a:pPr>
-            <a:r>
-              <a:rPr lang="de-DE" sz="2800" dirty="0">
-                <a:latin typeface="Candara" panose="020E0502030303020204" pitchFamily="34" charset="0"/>
-              </a:rPr>
-              <a:t>Office hours</a:t>
-            </a:r>
-          </a:p>
-          <a:p>
-            <a:pPr lvl="1" eaLnBrk="1" hangingPunct="1">
-              <a:lnSpc>
-                <a:spcPct val="90000"/>
-              </a:lnSpc>
-            </a:pPr>
-            <a:r>
-              <a:rPr lang="de-DE" sz="2400" dirty="0">
-                <a:latin typeface="Candara" panose="020E0502030303020204" pitchFamily="34" charset="0"/>
-              </a:rPr>
-              <a:t>Tue 10:00-14:00</a:t>
-            </a:r>
-          </a:p>
-          <a:p>
-            <a:pPr lvl="1" eaLnBrk="1" hangingPunct="1">
-              <a:lnSpc>
-                <a:spcPct val="90000"/>
-              </a:lnSpc>
-            </a:pPr>
-            <a:r>
-              <a:rPr lang="de-DE" sz="2400" dirty="0" err="1">
-                <a:latin typeface="Candara" panose="020E0502030303020204" pitchFamily="34" charset="0"/>
-              </a:rPr>
-              <a:t>Or</a:t>
-            </a:r>
-            <a:r>
-              <a:rPr lang="de-DE" sz="2400" dirty="0">
-                <a:latin typeface="Candara" panose="020E0502030303020204" pitchFamily="34" charset="0"/>
-              </a:rPr>
-              <a:t> </a:t>
-            </a:r>
-            <a:r>
-              <a:rPr lang="de-DE" sz="2400" dirty="0" err="1">
-                <a:latin typeface="Candara" panose="020E0502030303020204" pitchFamily="34" charset="0"/>
-              </a:rPr>
-              <a:t>by</a:t>
-            </a:r>
-            <a:r>
-              <a:rPr lang="de-DE" sz="2400" dirty="0">
-                <a:latin typeface="Candara" panose="020E0502030303020204" pitchFamily="34" charset="0"/>
-              </a:rPr>
-              <a:t> email: </a:t>
-            </a:r>
-            <a:r>
-              <a:rPr lang="de-DE" sz="2400" b="1" dirty="0">
-                <a:latin typeface="Candara" panose="020E0502030303020204" pitchFamily="34" charset="0"/>
-                <a:hlinkClick r:id="rId2"/>
-              </a:rPr>
-              <a:t>r.tol@sussex.ac.uk</a:t>
-            </a:r>
-            <a:endParaRPr lang="de-DE" sz="2400" b="1" dirty="0">
-              <a:latin typeface="Candara" panose="020E0502030303020204" pitchFamily="34" charset="0"/>
-            </a:endParaRPr>
-          </a:p>
-          <a:p>
-            <a:pPr eaLnBrk="1" hangingPunct="1">
-              <a:lnSpc>
-                <a:spcPct val="90000"/>
-              </a:lnSpc>
-            </a:pPr>
-            <a:r>
-              <a:rPr lang="de-DE" sz="2800" dirty="0">
-                <a:latin typeface="Candara" panose="020E0502030303020204" pitchFamily="34" charset="0"/>
-              </a:rPr>
-              <a:t>Key interests: climate, energy, environment</a:t>
-            </a:r>
-          </a:p>
-        </p:txBody>
-      </p:sp>
-      <p:pic>
-        <p:nvPicPr>
-          <p:cNvPr id="2" name="Picture 1"/>
-          <p:cNvPicPr>
-            <a:picLocks noChangeAspect="1"/>
-          </p:cNvPicPr>
-          <p:nvPr/>
-        </p:nvPicPr>
-        <p:blipFill>
-          <a:blip r:embed="rId3">
-            <a:extLst>
-              <a:ext uri="{28A0092B-C50C-407E-A947-70E740481C1C}">
-                <a14:useLocalDpi xmlns:a14="http://schemas.microsoft.com/office/drawing/2010/main" val="0"/>
-              </a:ext>
-            </a:extLst>
-          </a:blip>
-          <a:stretch>
-            <a:fillRect/>
-          </a:stretch>
-        </p:blipFill>
-        <p:spPr>
-          <a:xfrm>
-            <a:off x="6157390" y="76200"/>
-            <a:ext cx="2768896" cy="3810000"/>
-          </a:xfrm>
-          <a:prstGeom prst="rect">
-            <a:avLst/>
-          </a:prstGeom>
-        </p:spPr>
-      </p:pic>
+        </p:txBody>
+      </p:sp>
     </p:spTree>
   </p:cSld>
   <p:clrMapOvr>
     <a:masterClrMapping/>
   </p:clrMapOvr>
-  <p:timing>
-    <p:tnLst>
-      <p:par>
-        <p:cTn id="1" dur="indefinite" restart="never" nodeType="tmRoot"/>
-      </p:par>
-    </p:tnLst>
-  </p:timing>
 </p:sld>
 </file>
 
@@ -3961,202 +4284,257 @@
           <a:chExt cx="0" cy="0"/>
         </a:xfrm>
       </p:grpSpPr>
-      <p:sp>
-        <p:nvSpPr>
-          <p:cNvPr id="3074" name="Rectangle 2"/>
-          <p:cNvSpPr>
-            <a:spLocks noGrp="1" noChangeArrowheads="1"/>
-          </p:cNvSpPr>
-          <p:nvPr>
-            <p:ph type="title"/>
-          </p:nvPr>
-        </p:nvSpPr>
-        <p:spPr>
+      <p:pic>
+        <p:nvPicPr>
+          <p:cNvPr id="3074" name="Picture 1" descr="AcidRain.jpg"/>
+          <p:cNvPicPr>
+            <a:picLocks noChangeAspect="1"/>
+          </p:cNvPicPr>
+          <p:nvPr/>
+        </p:nvPicPr>
+        <p:blipFill>
+          <a:blip r:embed="rId2">
+            <a:extLst>
+              <a:ext uri="{28A0092B-C50C-407E-A947-70E740481C1C}">
+                <a14:useLocalDpi xmlns:a14="http://schemas.microsoft.com/office/drawing/2010/main" val="0"/>
+              </a:ext>
+            </a:extLst>
+          </a:blip>
+          <a:srcRect/>
+          <a:stretch>
+            <a:fillRect/>
+          </a:stretch>
+        </p:blipFill>
+        <p:spPr bwMode="auto">
           <a:xfrm>
-            <a:off x="685800" y="0"/>
-            <a:ext cx="7772400" cy="1143000"/>
+            <a:off x="104775" y="95250"/>
+            <a:ext cx="3933825" cy="2952750"/>
           </a:xfrm>
-        </p:spPr>
-        <p:txBody>
-          <a:bodyPr/>
-          <a:lstStyle/>
-          <a:p>
-            <a:pPr eaLnBrk="1" hangingPunct="1"/>
-            <a:r>
-              <a:rPr lang="de-DE" sz="3600" dirty="0">
-                <a:latin typeface="Candara" panose="020E0502030303020204" pitchFamily="34" charset="0"/>
-              </a:rPr>
-              <a:t>The Course</a:t>
-            </a:r>
-            <a:endParaRPr lang="en-GB" sz="3600" dirty="0">
-              <a:latin typeface="Candara" panose="020E0502030303020204" pitchFamily="34" charset="0"/>
-            </a:endParaRPr>
-          </a:p>
-        </p:txBody>
-      </p:sp>
-      <p:sp>
-        <p:nvSpPr>
-          <p:cNvPr id="3075" name="Rectangle 3"/>
-          <p:cNvSpPr>
-            <a:spLocks noGrp="1" noChangeArrowheads="1"/>
-          </p:cNvSpPr>
-          <p:nvPr>
-            <p:ph type="body" idx="1"/>
-          </p:nvPr>
-        </p:nvSpPr>
-        <p:spPr>
+          <a:prstGeom prst="rect">
+            <a:avLst/>
+          </a:prstGeom>
+          <a:noFill/>
+          <a:ln>
+            <a:noFill/>
+          </a:ln>
+          <a:extLst>
+            <a:ext uri="{909E8E84-426E-40DD-AFC4-6F175D3DCCD1}">
+              <a14:hiddenFill xmlns:a14="http://schemas.microsoft.com/office/drawing/2010/main">
+                <a:solidFill>
+                  <a:srgbClr val="FFFFFF"/>
+                </a:solidFill>
+              </a14:hiddenFill>
+            </a:ext>
+            <a:ext uri="{91240B29-F687-4F45-9708-019B960494DF}">
+              <a14:hiddenLine xmlns:a14="http://schemas.microsoft.com/office/drawing/2010/main" w="9525">
+                <a:solidFill>
+                  <a:srgbClr val="000000"/>
+                </a:solidFill>
+                <a:miter lim="800000"/>
+                <a:headEnd/>
+                <a:tailEnd/>
+              </a14:hiddenLine>
+            </a:ext>
+          </a:extLst>
+        </p:spPr>
+      </p:pic>
+      <p:pic>
+        <p:nvPicPr>
+          <p:cNvPr id="3075" name="Picture 2" descr="ozone_hole.jpg"/>
+          <p:cNvPicPr>
+            <a:picLocks noChangeAspect="1"/>
+          </p:cNvPicPr>
+          <p:nvPr/>
+        </p:nvPicPr>
+        <p:blipFill>
+          <a:blip r:embed="rId3">
+            <a:extLst>
+              <a:ext uri="{28A0092B-C50C-407E-A947-70E740481C1C}">
+                <a14:useLocalDpi xmlns:a14="http://schemas.microsoft.com/office/drawing/2010/main" val="0"/>
+              </a:ext>
+            </a:extLst>
+          </a:blip>
+          <a:srcRect/>
+          <a:stretch>
+            <a:fillRect/>
+          </a:stretch>
+        </p:blipFill>
+        <p:spPr bwMode="auto">
           <a:xfrm>
-            <a:off x="533400" y="1130147"/>
-            <a:ext cx="7772400" cy="4495800"/>
+            <a:off x="5270500" y="1851742"/>
+            <a:ext cx="3768725" cy="5003800"/>
           </a:xfrm>
-        </p:spPr>
-        <p:txBody>
-          <a:bodyPr/>
-          <a:lstStyle/>
-          <a:p>
-            <a:pPr eaLnBrk="1" hangingPunct="1">
-              <a:lnSpc>
-                <a:spcPct val="90000"/>
-              </a:lnSpc>
-            </a:pPr>
-            <a:r>
-              <a:rPr lang="de-DE" sz="2800" dirty="0">
-                <a:latin typeface="Candara" panose="020E0502030303020204" pitchFamily="34" charset="0"/>
-              </a:rPr>
-              <a:t>A comprehensive introduction to the economic theory of environmental pollution and environmental policy</a:t>
-            </a:r>
-          </a:p>
-          <a:p>
-            <a:pPr eaLnBrk="1" hangingPunct="1">
-              <a:lnSpc>
-                <a:spcPct val="90000"/>
-              </a:lnSpc>
-            </a:pPr>
-            <a:r>
-              <a:rPr lang="de-DE" sz="2800" dirty="0">
-                <a:latin typeface="Candara" panose="020E0502030303020204" pitchFamily="34" charset="0"/>
-              </a:rPr>
-              <a:t>Prior knowledge</a:t>
-            </a:r>
-          </a:p>
-          <a:p>
-            <a:pPr lvl="1" eaLnBrk="1" hangingPunct="1">
-              <a:lnSpc>
-                <a:spcPct val="90000"/>
-              </a:lnSpc>
-            </a:pPr>
-            <a:r>
-              <a:rPr lang="de-DE" sz="2400" dirty="0">
-                <a:latin typeface="Candara" panose="020E0502030303020204" pitchFamily="34" charset="0"/>
-              </a:rPr>
-              <a:t>micro, macro, calculus</a:t>
-            </a:r>
-          </a:p>
-          <a:p>
-            <a:pPr eaLnBrk="1" hangingPunct="1">
-              <a:lnSpc>
-                <a:spcPct val="90000"/>
-              </a:lnSpc>
-            </a:pPr>
-            <a:r>
-              <a:rPr lang="de-DE" sz="2800" dirty="0">
-                <a:latin typeface="Candara" panose="020E0502030303020204" pitchFamily="34" charset="0"/>
-              </a:rPr>
-              <a:t>Book</a:t>
-            </a:r>
-          </a:p>
-          <a:p>
-            <a:pPr lvl="1" eaLnBrk="1" hangingPunct="1">
-              <a:lnSpc>
-                <a:spcPct val="90000"/>
-              </a:lnSpc>
-            </a:pPr>
-            <a:r>
-              <a:rPr lang="de-DE" sz="2400" dirty="0">
-                <a:latin typeface="Candara" panose="020E0502030303020204" pitchFamily="34" charset="0"/>
-              </a:rPr>
-              <a:t>C.D. Kolstad (2011), </a:t>
-            </a:r>
-            <a:r>
-              <a:rPr lang="de-DE" sz="2400" i="1" dirty="0">
-                <a:latin typeface="Candara" panose="020E0502030303020204" pitchFamily="34" charset="0"/>
-              </a:rPr>
-              <a:t>Intermediate Environmental Economics: International Edition (2nd Edition)</a:t>
-            </a:r>
-            <a:r>
-              <a:rPr lang="de-DE" sz="2400" dirty="0">
-                <a:latin typeface="Candara" panose="020E0502030303020204" pitchFamily="34" charset="0"/>
-              </a:rPr>
-              <a:t>, Oxford University Press, ISBN </a:t>
-            </a:r>
-            <a:r>
-              <a:rPr lang="de-DE" sz="2400" dirty="0" smtClean="0">
-                <a:latin typeface="Candara" panose="020E0502030303020204" pitchFamily="34" charset="0"/>
-              </a:rPr>
-              <a:t>0199732655</a:t>
-            </a:r>
-          </a:p>
-          <a:p>
-            <a:pPr eaLnBrk="1" hangingPunct="1">
-              <a:lnSpc>
-                <a:spcPct val="90000"/>
-              </a:lnSpc>
-            </a:pPr>
-            <a:r>
-              <a:rPr lang="de-DE" sz="2800" dirty="0" smtClean="0">
-                <a:latin typeface="Candara" panose="020E0502030303020204" pitchFamily="34" charset="0"/>
-              </a:rPr>
-              <a:t>Videos complement lectures</a:t>
-            </a:r>
-          </a:p>
-          <a:p>
-            <a:pPr eaLnBrk="1" hangingPunct="1">
-              <a:lnSpc>
-                <a:spcPct val="90000"/>
-              </a:lnSpc>
-            </a:pPr>
-            <a:r>
-              <a:rPr lang="de-DE" sz="2800" dirty="0" smtClean="0">
-                <a:latin typeface="Candara" panose="020E0502030303020204" pitchFamily="34" charset="0"/>
-              </a:rPr>
-              <a:t>Lectures: Tue, 3-5 pm, Shawcross AS01</a:t>
-            </a:r>
-          </a:p>
-          <a:p>
-            <a:pPr eaLnBrk="1" hangingPunct="1">
-              <a:lnSpc>
-                <a:spcPct val="90000"/>
-              </a:lnSpc>
-            </a:pPr>
-            <a:r>
-              <a:rPr lang="de-DE" sz="2800" dirty="0" smtClean="0">
-                <a:latin typeface="Candara" panose="020E0502030303020204" pitchFamily="34" charset="0"/>
-              </a:rPr>
-              <a:t>Seminars: Tue, 2-3 pm, Jubilee G36</a:t>
-            </a:r>
-            <a:endParaRPr lang="en-GB" sz="2800" dirty="0">
-              <a:latin typeface="Candara" panose="020E0502030303020204" pitchFamily="34" charset="0"/>
-            </a:endParaRPr>
-          </a:p>
-        </p:txBody>
-      </p:sp>
+          <a:prstGeom prst="rect">
+            <a:avLst/>
+          </a:prstGeom>
+          <a:noFill/>
+          <a:ln>
+            <a:noFill/>
+          </a:ln>
+          <a:extLst>
+            <a:ext uri="{909E8E84-426E-40DD-AFC4-6F175D3DCCD1}">
+              <a14:hiddenFill xmlns:a14="http://schemas.microsoft.com/office/drawing/2010/main">
+                <a:solidFill>
+                  <a:srgbClr val="FFFFFF"/>
+                </a:solidFill>
+              </a14:hiddenFill>
+            </a:ext>
+            <a:ext uri="{91240B29-F687-4F45-9708-019B960494DF}">
+              <a14:hiddenLine xmlns:a14="http://schemas.microsoft.com/office/drawing/2010/main" w="9525">
+                <a:solidFill>
+                  <a:srgbClr val="000000"/>
+                </a:solidFill>
+                <a:miter lim="800000"/>
+                <a:headEnd/>
+                <a:tailEnd/>
+              </a14:hiddenLine>
+            </a:ext>
+          </a:extLst>
+        </p:spPr>
+      </p:pic>
+      <p:pic>
+        <p:nvPicPr>
+          <p:cNvPr id="3076" name="Picture 3" descr="airpollution.jpg"/>
+          <p:cNvPicPr>
+            <a:picLocks noChangeAspect="1"/>
+          </p:cNvPicPr>
+          <p:nvPr/>
+        </p:nvPicPr>
+        <p:blipFill>
+          <a:blip r:embed="rId4">
+            <a:extLst>
+              <a:ext uri="{28A0092B-C50C-407E-A947-70E740481C1C}">
+                <a14:useLocalDpi xmlns:a14="http://schemas.microsoft.com/office/drawing/2010/main" val="0"/>
+              </a:ext>
+            </a:extLst>
+          </a:blip>
+          <a:srcRect/>
+          <a:stretch>
+            <a:fillRect/>
+          </a:stretch>
+        </p:blipFill>
+        <p:spPr bwMode="auto">
+          <a:xfrm>
+            <a:off x="5257800" y="76200"/>
+            <a:ext cx="3810000" cy="2133600"/>
+          </a:xfrm>
+          <a:prstGeom prst="rect">
+            <a:avLst/>
+          </a:prstGeom>
+          <a:noFill/>
+          <a:ln>
+            <a:noFill/>
+          </a:ln>
+          <a:extLst>
+            <a:ext uri="{909E8E84-426E-40DD-AFC4-6F175D3DCCD1}">
+              <a14:hiddenFill xmlns:a14="http://schemas.microsoft.com/office/drawing/2010/main">
+                <a:solidFill>
+                  <a:srgbClr val="FFFFFF"/>
+                </a:solidFill>
+              </a14:hiddenFill>
+            </a:ext>
+            <a:ext uri="{91240B29-F687-4F45-9708-019B960494DF}">
+              <a14:hiddenLine xmlns:a14="http://schemas.microsoft.com/office/drawing/2010/main" w="9525">
+                <a:solidFill>
+                  <a:srgbClr val="000000"/>
+                </a:solidFill>
+                <a:miter lim="800000"/>
+                <a:headEnd/>
+                <a:tailEnd/>
+              </a14:hiddenLine>
+            </a:ext>
+          </a:extLst>
+        </p:spPr>
+      </p:pic>
+      <p:pic>
+        <p:nvPicPr>
+          <p:cNvPr id="3077" name="Picture 4" descr="climate-change.jpg"/>
+          <p:cNvPicPr>
+            <a:picLocks noChangeAspect="1"/>
+          </p:cNvPicPr>
+          <p:nvPr/>
+        </p:nvPicPr>
+        <p:blipFill>
+          <a:blip r:embed="rId5">
+            <a:extLst>
+              <a:ext uri="{28A0092B-C50C-407E-A947-70E740481C1C}">
+                <a14:useLocalDpi xmlns:a14="http://schemas.microsoft.com/office/drawing/2010/main" val="0"/>
+              </a:ext>
+            </a:extLst>
+          </a:blip>
+          <a:srcRect/>
+          <a:stretch>
+            <a:fillRect/>
+          </a:stretch>
+        </p:blipFill>
+        <p:spPr bwMode="auto">
+          <a:xfrm>
+            <a:off x="2743200" y="3124200"/>
+            <a:ext cx="2514600" cy="3616325"/>
+          </a:xfrm>
+          <a:prstGeom prst="rect">
+            <a:avLst/>
+          </a:prstGeom>
+          <a:noFill/>
+          <a:ln>
+            <a:noFill/>
+          </a:ln>
+          <a:extLst>
+            <a:ext uri="{909E8E84-426E-40DD-AFC4-6F175D3DCCD1}">
+              <a14:hiddenFill xmlns:a14="http://schemas.microsoft.com/office/drawing/2010/main">
+                <a:solidFill>
+                  <a:srgbClr val="FFFFFF"/>
+                </a:solidFill>
+              </a14:hiddenFill>
+            </a:ext>
+            <a:ext uri="{91240B29-F687-4F45-9708-019B960494DF}">
+              <a14:hiddenLine xmlns:a14="http://schemas.microsoft.com/office/drawing/2010/main" w="9525">
+                <a:solidFill>
+                  <a:srgbClr val="000000"/>
+                </a:solidFill>
+                <a:miter lim="800000"/>
+                <a:headEnd/>
+                <a:tailEnd/>
+              </a14:hiddenLine>
+            </a:ext>
+          </a:extLst>
+        </p:spPr>
+      </p:pic>
+      <p:pic>
+        <p:nvPicPr>
+          <p:cNvPr id="2" name="Picture 1"/>
+          <p:cNvPicPr>
+            <a:picLocks noChangeAspect="1"/>
+          </p:cNvPicPr>
+          <p:nvPr/>
+        </p:nvPicPr>
+        <p:blipFill>
+          <a:blip r:embed="rId6">
+            <a:extLst>
+              <a:ext uri="{28A0092B-C50C-407E-A947-70E740481C1C}">
+                <a14:useLocalDpi xmlns:a14="http://schemas.microsoft.com/office/drawing/2010/main" val="0"/>
+              </a:ext>
+            </a:extLst>
+          </a:blip>
+          <a:stretch>
+            <a:fillRect/>
+          </a:stretch>
+        </p:blipFill>
+        <p:spPr>
+          <a:xfrm>
+            <a:off x="228600" y="3276600"/>
+            <a:ext cx="3048000" cy="3048000"/>
+          </a:xfrm>
+          <a:prstGeom prst="rect">
+            <a:avLst/>
+          </a:prstGeom>
+        </p:spPr>
+      </p:pic>
     </p:spTree>
-    <p:extLst>
-      <p:ext uri="{BB962C8B-B14F-4D97-AF65-F5344CB8AC3E}">
-        <p14:creationId xmlns:p14="http://schemas.microsoft.com/office/powerpoint/2010/main" val="1213474219"/>
-      </p:ext>
-    </p:extLst>
   </p:cSld>
   <p:clrMapOvr>
     <a:masterClrMapping/>
   </p:clrMapOvr>
-  <p:timing>
-    <p:tnLst>
-      <p:par>
-        <p:cTn id="1" dur="indefinite" restart="never" nodeType="tmRoot"/>
-      </p:par>
-    </p:tnLst>
-  </p:timing>
 </p:sld>
 </file>
 
@@ -4179,6 +4557,36 @@
       </p:grpSpPr>
       <p:pic>
         <p:nvPicPr>
+          <p:cNvPr id="4" name="Picture 3"/>
+          <p:cNvPicPr>
+            <a:picLocks noChangeAspect="1"/>
+          </p:cNvPicPr>
+          <p:nvPr/>
+        </p:nvPicPr>
+        <p:blipFill>
+          <a:blip r:embed="rId2">
+            <a:extLst>
+              <a:ext uri="{28A0092B-C50C-407E-A947-70E740481C1C}">
+                <a14:useLocalDpi xmlns:a14="http://schemas.microsoft.com/office/drawing/2010/main" val="0"/>
+              </a:ext>
+            </a:extLst>
+          </a:blip>
+          <a:stretch>
+            <a:fillRect/>
+          </a:stretch>
+        </p:blipFill>
+        <p:spPr>
+          <a:xfrm>
+            <a:off x="4045004" y="0"/>
+            <a:ext cx="3803596" cy="6858000"/>
+          </a:xfrm>
+          <a:prstGeom prst="rect">
+            <a:avLst/>
+          </a:prstGeom>
+        </p:spPr>
+      </p:pic>
+      <p:pic>
+        <p:nvPicPr>
           <p:cNvPr id="2" name="Picture 1"/>
           <p:cNvPicPr>
             <a:picLocks noChangeAspect="1"/>
@@ -4186,38 +4594,97 @@
           <p:nvPr/>
         </p:nvPicPr>
         <p:blipFill>
-          <a:blip r:embed="rId2"/>
+          <a:blip r:embed="rId3">
+            <a:extLst>
+              <a:ext uri="{28A0092B-C50C-407E-A947-70E740481C1C}">
+                <a14:useLocalDpi xmlns:a14="http://schemas.microsoft.com/office/drawing/2010/main" val="0"/>
+              </a:ext>
+            </a:extLst>
+          </a:blip>
           <a:stretch>
             <a:fillRect/>
           </a:stretch>
         </p:blipFill>
         <p:spPr>
           <a:xfrm>
-            <a:off x="76199" y="76200"/>
-            <a:ext cx="8995811" cy="5105400"/>
+            <a:off x="76200" y="69866"/>
+            <a:ext cx="3562350" cy="4044934"/>
           </a:xfrm>
           <a:prstGeom prst="rect">
             <a:avLst/>
           </a:prstGeom>
         </p:spPr>
       </p:pic>
+      <p:pic>
+        <p:nvPicPr>
+          <p:cNvPr id="3" name="Picture 2"/>
+          <p:cNvPicPr>
+            <a:picLocks noChangeAspect="1"/>
+          </p:cNvPicPr>
+          <p:nvPr/>
+        </p:nvPicPr>
+        <p:blipFill>
+          <a:blip r:embed="rId4">
+            <a:extLst>
+              <a:ext uri="{28A0092B-C50C-407E-A947-70E740481C1C}">
+                <a14:useLocalDpi xmlns:a14="http://schemas.microsoft.com/office/drawing/2010/main" val="0"/>
+              </a:ext>
+            </a:extLst>
+          </a:blip>
+          <a:stretch>
+            <a:fillRect/>
+          </a:stretch>
+        </p:blipFill>
+        <p:spPr>
+          <a:xfrm>
+            <a:off x="76200" y="3886200"/>
+            <a:ext cx="4112252" cy="2884714"/>
+          </a:xfrm>
+          <a:prstGeom prst="rect">
+            <a:avLst/>
+          </a:prstGeom>
+        </p:spPr>
+      </p:pic>
+      <p:pic>
+        <p:nvPicPr>
+          <p:cNvPr id="5" name="Picture 4"/>
+          <p:cNvPicPr>
+            <a:picLocks noChangeAspect="1"/>
+          </p:cNvPicPr>
+          <p:nvPr/>
+        </p:nvPicPr>
+        <p:blipFill>
+          <a:blip r:embed="rId5">
+            <a:extLst>
+              <a:ext uri="{28A0092B-C50C-407E-A947-70E740481C1C}">
+                <a14:useLocalDpi xmlns:a14="http://schemas.microsoft.com/office/drawing/2010/main" val="0"/>
+              </a:ext>
+            </a:extLst>
+          </a:blip>
+          <a:stretch>
+            <a:fillRect/>
+          </a:stretch>
+        </p:blipFill>
+        <p:spPr>
+          <a:xfrm>
+            <a:off x="6476999" y="1143000"/>
+            <a:ext cx="3352801" cy="1884680"/>
+          </a:xfrm>
+          <a:prstGeom prst="rect">
+            <a:avLst/>
+          </a:prstGeom>
+        </p:spPr>
+      </p:pic>
     </p:spTree>
     <p:extLst>
       <p:ext uri="{BB962C8B-B14F-4D97-AF65-F5344CB8AC3E}">
-        <p14:creationId xmlns:p14="http://schemas.microsoft.com/office/powerpoint/2010/main" val="1499761518"/>
+        <p14:creationId xmlns:p14="http://schemas.microsoft.com/office/powerpoint/2010/main" val="2912630267"/>
       </p:ext>
     </p:extLst>
   </p:cSld>
   <p:clrMapOvr>
     <a:masterClrMapping/>
   </p:clrMapOvr>
-  <p:timing>
-    <p:tnLst>
-      <p:par>
-        <p:cTn id="1" dur="indefinite" restart="never" nodeType="tmRoot"/>
-      </p:par>
-    </p:tnLst>
-  </p:timing>
 </p:sld>
 </file>
 
@@ -4238,194 +4705,227 @@
           <a:chExt cx="0" cy="0"/>
         </a:xfrm>
       </p:grpSpPr>
-      <p:sp>
-        <p:nvSpPr>
-          <p:cNvPr id="4099" name="Content Placeholder 2"/>
-          <p:cNvSpPr>
-            <a:spLocks noGrp="1"/>
-          </p:cNvSpPr>
-          <p:nvPr>
-            <p:ph idx="1"/>
-          </p:nvPr>
-        </p:nvSpPr>
-        <p:spPr>
+      <p:pic>
+        <p:nvPicPr>
+          <p:cNvPr id="4098" name="Picture 1" descr="antibiotic.jpg"/>
+          <p:cNvPicPr>
+            <a:picLocks noChangeAspect="1"/>
+          </p:cNvPicPr>
+          <p:nvPr/>
+        </p:nvPicPr>
+        <p:blipFill>
+          <a:blip r:embed="rId2">
+            <a:extLst>
+              <a:ext uri="{28A0092B-C50C-407E-A947-70E740481C1C}">
+                <a14:useLocalDpi xmlns:a14="http://schemas.microsoft.com/office/drawing/2010/main" val="0"/>
+              </a:ext>
+            </a:extLst>
+          </a:blip>
+          <a:srcRect/>
+          <a:stretch>
+            <a:fillRect/>
+          </a:stretch>
+        </p:blipFill>
+        <p:spPr bwMode="auto">
           <a:xfrm>
-            <a:off x="457200" y="304800"/>
-            <a:ext cx="8229600" cy="5211763"/>
+            <a:off x="338138" y="2667000"/>
+            <a:ext cx="3624262" cy="4038600"/>
           </a:xfrm>
-        </p:spPr>
-        <p:txBody>
-          <a:bodyPr/>
-          <a:lstStyle/>
-          <a:p>
-            <a:pPr eaLnBrk="1" hangingPunct="1">
-              <a:buNone/>
-            </a:pPr>
-            <a:r>
-              <a:rPr lang="en-US" sz="2800" dirty="0">
-                <a:latin typeface="Candara" panose="020E0502030303020204" pitchFamily="34" charset="0"/>
-              </a:rPr>
-              <a:t>0 Introduction</a:t>
-            </a:r>
-          </a:p>
-          <a:p>
-            <a:pPr eaLnBrk="1" hangingPunct="1">
-              <a:buNone/>
-            </a:pPr>
-            <a:r>
-              <a:rPr lang="en-US" sz="2800" dirty="0">
-                <a:latin typeface="Candara" panose="020E0502030303020204" pitchFamily="34" charset="0"/>
-              </a:rPr>
-              <a:t>1 </a:t>
-            </a:r>
-            <a:r>
-              <a:rPr lang="en-US" sz="2800" dirty="0" smtClean="0">
-                <a:latin typeface="Candara" panose="020E0502030303020204" pitchFamily="34" charset="0"/>
-              </a:rPr>
-              <a:t>Social choice</a:t>
-            </a:r>
-            <a:endParaRPr lang="en-US" sz="2800" dirty="0">
-              <a:latin typeface="Candara" panose="020E0502030303020204" pitchFamily="34" charset="0"/>
-            </a:endParaRPr>
-          </a:p>
-          <a:p>
-            <a:pPr eaLnBrk="1" hangingPunct="1">
-              <a:buNone/>
-            </a:pPr>
-            <a:r>
-              <a:rPr lang="en-US" sz="2800" dirty="0">
-                <a:latin typeface="Candara" panose="020E0502030303020204" pitchFamily="34" charset="0"/>
-              </a:rPr>
-              <a:t>2 Externalities and public goods</a:t>
-            </a:r>
-          </a:p>
-          <a:p>
-            <a:pPr eaLnBrk="1" hangingPunct="1">
-              <a:buNone/>
-            </a:pPr>
-            <a:r>
-              <a:rPr lang="en-US" sz="2800" dirty="0">
-                <a:latin typeface="Candara" panose="020E0502030303020204" pitchFamily="34" charset="0"/>
-              </a:rPr>
-              <a:t>3 Decision analysis</a:t>
-            </a:r>
-          </a:p>
-          <a:p>
-            <a:pPr eaLnBrk="1" hangingPunct="1">
-              <a:buNone/>
-            </a:pPr>
-            <a:r>
-              <a:rPr lang="en-US" sz="2800" dirty="0">
-                <a:latin typeface="Candara" panose="020E0502030303020204" pitchFamily="34" charset="0"/>
-              </a:rPr>
-              <a:t>4 Valuation: Aims and purpose</a:t>
-            </a:r>
-          </a:p>
-          <a:p>
-            <a:pPr eaLnBrk="1" hangingPunct="1">
-              <a:buNone/>
-            </a:pPr>
-            <a:r>
-              <a:rPr lang="en-US" sz="2800" dirty="0">
-                <a:latin typeface="Candara" panose="020E0502030303020204" pitchFamily="34" charset="0"/>
-              </a:rPr>
-              <a:t>5 Valuation: Revealed preferences</a:t>
-            </a:r>
-          </a:p>
-          <a:p>
-            <a:pPr eaLnBrk="1" hangingPunct="1">
-              <a:buNone/>
-            </a:pPr>
-            <a:r>
-              <a:rPr lang="en-US" sz="2800" dirty="0">
-                <a:latin typeface="Candara" panose="020E0502030303020204" pitchFamily="34" charset="0"/>
-              </a:rPr>
-              <a:t>6 Valuation: Stated preferences</a:t>
-            </a:r>
-          </a:p>
-          <a:p>
-            <a:pPr eaLnBrk="1" hangingPunct="1">
-              <a:buNone/>
-            </a:pPr>
-            <a:r>
-              <a:rPr lang="en-US" sz="2800" dirty="0">
-                <a:latin typeface="Candara" panose="020E0502030303020204" pitchFamily="34" charset="0"/>
-              </a:rPr>
-              <a:t>7 Direct regulation</a:t>
-            </a:r>
-          </a:p>
-          <a:p>
-            <a:pPr eaLnBrk="1" hangingPunct="1">
-              <a:buNone/>
-            </a:pPr>
-            <a:r>
-              <a:rPr lang="en-US" sz="2800" dirty="0">
-                <a:latin typeface="Candara" panose="020E0502030303020204" pitchFamily="34" charset="0"/>
-              </a:rPr>
-              <a:t>8 Market-based instruments</a:t>
-            </a:r>
-          </a:p>
-          <a:p>
-            <a:pPr eaLnBrk="1" hangingPunct="1">
-              <a:buNone/>
-            </a:pPr>
-            <a:r>
-              <a:rPr lang="en-US" sz="2800" dirty="0">
-                <a:latin typeface="Candara" panose="020E0502030303020204" pitchFamily="34" charset="0"/>
-              </a:rPr>
-              <a:t>9 </a:t>
-            </a:r>
-            <a:r>
-              <a:rPr lang="en-US" sz="2800" dirty="0" smtClean="0">
-                <a:latin typeface="Candara" panose="020E0502030303020204" pitchFamily="34" charset="0"/>
-              </a:rPr>
-              <a:t>Complications with instruments</a:t>
-            </a:r>
-            <a:endParaRPr lang="en-US" sz="2800" dirty="0">
-              <a:latin typeface="Candara" panose="020E0502030303020204" pitchFamily="34" charset="0"/>
-            </a:endParaRPr>
-          </a:p>
-          <a:p>
-            <a:pPr eaLnBrk="1" hangingPunct="1">
-              <a:buNone/>
-            </a:pPr>
-            <a:r>
-              <a:rPr lang="en-US" sz="2800" dirty="0">
-                <a:latin typeface="Candara" panose="020E0502030303020204" pitchFamily="34" charset="0"/>
-              </a:rPr>
-              <a:t>10 Growth and the environment</a:t>
-            </a:r>
-          </a:p>
-          <a:p>
-            <a:pPr eaLnBrk="1" hangingPunct="1">
-              <a:buNone/>
-            </a:pPr>
-            <a:r>
-              <a:rPr lang="en-US" sz="2800" dirty="0">
-                <a:latin typeface="Candara" panose="020E0502030303020204" pitchFamily="34" charset="0"/>
-              </a:rPr>
-              <a:t>11 Green accounting</a:t>
-            </a:r>
-          </a:p>
-        </p:txBody>
-      </p:sp>
+          <a:prstGeom prst="rect">
+            <a:avLst/>
+          </a:prstGeom>
+          <a:noFill/>
+          <a:ln>
+            <a:noFill/>
+          </a:ln>
+          <a:extLst>
+            <a:ext uri="{909E8E84-426E-40DD-AFC4-6F175D3DCCD1}">
+              <a14:hiddenFill xmlns:a14="http://schemas.microsoft.com/office/drawing/2010/main">
+                <a:solidFill>
+                  <a:srgbClr val="FFFFFF"/>
+                </a:solidFill>
+              </a14:hiddenFill>
+            </a:ext>
+            <a:ext uri="{91240B29-F687-4F45-9708-019B960494DF}">
+              <a14:hiddenLine xmlns:a14="http://schemas.microsoft.com/office/drawing/2010/main" w="9525">
+                <a:solidFill>
+                  <a:srgbClr val="000000"/>
+                </a:solidFill>
+                <a:miter lim="800000"/>
+                <a:headEnd/>
+                <a:tailEnd/>
+              </a14:hiddenLine>
+            </a:ext>
+          </a:extLst>
+        </p:spPr>
+      </p:pic>
+      <p:pic>
+        <p:nvPicPr>
+          <p:cNvPr id="4099" name="Picture 2" descr="cuyahoga.jpg"/>
+          <p:cNvPicPr>
+            <a:picLocks noChangeAspect="1"/>
+          </p:cNvPicPr>
+          <p:nvPr/>
+        </p:nvPicPr>
+        <p:blipFill>
+          <a:blip r:embed="rId3">
+            <a:extLst>
+              <a:ext uri="{28A0092B-C50C-407E-A947-70E740481C1C}">
+                <a14:useLocalDpi xmlns:a14="http://schemas.microsoft.com/office/drawing/2010/main" val="0"/>
+              </a:ext>
+            </a:extLst>
+          </a:blip>
+          <a:srcRect/>
+          <a:stretch>
+            <a:fillRect/>
+          </a:stretch>
+        </p:blipFill>
+        <p:spPr bwMode="auto">
+          <a:xfrm>
+            <a:off x="4572000" y="3303862"/>
+            <a:ext cx="4446793" cy="3477938"/>
+          </a:xfrm>
+          <a:prstGeom prst="rect">
+            <a:avLst/>
+          </a:prstGeom>
+          <a:noFill/>
+          <a:ln>
+            <a:noFill/>
+          </a:ln>
+          <a:extLst>
+            <a:ext uri="{909E8E84-426E-40DD-AFC4-6F175D3DCCD1}">
+              <a14:hiddenFill xmlns:a14="http://schemas.microsoft.com/office/drawing/2010/main">
+                <a:solidFill>
+                  <a:srgbClr val="FFFFFF"/>
+                </a:solidFill>
+              </a14:hiddenFill>
+            </a:ext>
+            <a:ext uri="{91240B29-F687-4F45-9708-019B960494DF}">
+              <a14:hiddenLine xmlns:a14="http://schemas.microsoft.com/office/drawing/2010/main" w="9525">
+                <a:solidFill>
+                  <a:srgbClr val="000000"/>
+                </a:solidFill>
+                <a:miter lim="800000"/>
+                <a:headEnd/>
+                <a:tailEnd/>
+              </a14:hiddenLine>
+            </a:ext>
+          </a:extLst>
+        </p:spPr>
+      </p:pic>
+      <p:pic>
+        <p:nvPicPr>
+          <p:cNvPr id="4100" name="Picture 3" descr="eutrophication.gif"/>
+          <p:cNvPicPr>
+            <a:picLocks noChangeAspect="1"/>
+          </p:cNvPicPr>
+          <p:nvPr/>
+        </p:nvPicPr>
+        <p:blipFill>
+          <a:blip r:embed="rId4">
+            <a:extLst>
+              <a:ext uri="{28A0092B-C50C-407E-A947-70E740481C1C}">
+                <a14:useLocalDpi xmlns:a14="http://schemas.microsoft.com/office/drawing/2010/main" val="0"/>
+              </a:ext>
+            </a:extLst>
+          </a:blip>
+          <a:srcRect/>
+          <a:stretch>
+            <a:fillRect/>
+          </a:stretch>
+        </p:blipFill>
+        <p:spPr bwMode="auto">
+          <a:xfrm>
+            <a:off x="122903" y="41787"/>
+            <a:ext cx="3962400" cy="2486025"/>
+          </a:xfrm>
+          <a:prstGeom prst="rect">
+            <a:avLst/>
+          </a:prstGeom>
+          <a:noFill/>
+          <a:ln>
+            <a:noFill/>
+          </a:ln>
+          <a:extLst>
+            <a:ext uri="{909E8E84-426E-40DD-AFC4-6F175D3DCCD1}">
+              <a14:hiddenFill xmlns:a14="http://schemas.microsoft.com/office/drawing/2010/main">
+                <a:solidFill>
+                  <a:srgbClr val="FFFFFF"/>
+                </a:solidFill>
+              </a14:hiddenFill>
+            </a:ext>
+            <a:ext uri="{91240B29-F687-4F45-9708-019B960494DF}">
+              <a14:hiddenLine xmlns:a14="http://schemas.microsoft.com/office/drawing/2010/main" w="9525">
+                <a:solidFill>
+                  <a:srgbClr val="000000"/>
+                </a:solidFill>
+                <a:miter lim="800000"/>
+                <a:headEnd/>
+                <a:tailEnd/>
+              </a14:hiddenLine>
+            </a:ext>
+          </a:extLst>
+        </p:spPr>
+      </p:pic>
+      <p:pic>
+        <p:nvPicPr>
+          <p:cNvPr id="4101" name="Picture 4" descr="endocrine.jpg"/>
+          <p:cNvPicPr>
+            <a:picLocks noChangeAspect="1"/>
+          </p:cNvPicPr>
+          <p:nvPr/>
+        </p:nvPicPr>
+        <p:blipFill>
+          <a:blip r:embed="rId5">
+            <a:extLst>
+              <a:ext uri="{28A0092B-C50C-407E-A947-70E740481C1C}">
+                <a14:useLocalDpi xmlns:a14="http://schemas.microsoft.com/office/drawing/2010/main" val="0"/>
+              </a:ext>
+            </a:extLst>
+          </a:blip>
+          <a:srcRect/>
+          <a:stretch>
+            <a:fillRect/>
+          </a:stretch>
+        </p:blipFill>
+        <p:spPr bwMode="auto">
+          <a:xfrm>
+            <a:off x="4800600" y="76200"/>
+            <a:ext cx="4038600" cy="3028950"/>
+          </a:xfrm>
+          <a:prstGeom prst="rect">
+            <a:avLst/>
+          </a:prstGeom>
+          <a:noFill/>
+          <a:ln>
+            <a:noFill/>
+          </a:ln>
+          <a:extLst>
+            <a:ext uri="{909E8E84-426E-40DD-AFC4-6F175D3DCCD1}">
+              <a14:hiddenFill xmlns:a14="http://schemas.microsoft.com/office/drawing/2010/main">
+                <a:solidFill>
+                  <a:srgbClr val="FFFFFF"/>
+                </a:solidFill>
+              </a14:hiddenFill>
+            </a:ext>
+            <a:ext uri="{91240B29-F687-4F45-9708-019B960494DF}">
+              <a14:hiddenLine xmlns:a14="http://schemas.microsoft.com/office/drawing/2010/main" w="9525">
+                <a:solidFill>
+                  <a:srgbClr val="000000"/>
+                </a:solidFill>
+                <a:miter lim="800000"/>
+                <a:headEnd/>
+                <a:tailEnd/>
+              </a14:hiddenLine>
+            </a:ext>
+          </a:extLst>
+        </p:spPr>
+      </p:pic>
     </p:spTree>
-    <p:extLst>
-      <p:ext uri="{BB962C8B-B14F-4D97-AF65-F5344CB8AC3E}">
-        <p14:creationId xmlns:p14="http://schemas.microsoft.com/office/powerpoint/2010/main" val="3608554585"/>
-      </p:ext>
-    </p:extLst>
   </p:cSld>
   <p:clrMapOvr>
     <a:masterClrMapping/>
   </p:clrMapOvr>
-  <p:timing>
-    <p:tnLst>
-      <p:par>
-        <p:cTn id="1" dur="indefinite" restart="never" nodeType="tmRoot"/>
-      </p:par>
-    </p:tnLst>
-  </p:timing>
 </p:sld>
 </file>
 
@@ -4448,7 +4948,7 @@
       </p:grpSpPr>
       <p:sp>
         <p:nvSpPr>
-          <p:cNvPr id="5122" name="Rectangle 2"/>
+          <p:cNvPr id="3074" name="Rectangle 2"/>
           <p:cNvSpPr>
             <a:spLocks noGrp="1" noChangeArrowheads="1"/>
           </p:cNvSpPr>
@@ -4468,10 +4968,22 @@
           <a:p>
             <a:pPr eaLnBrk="1" hangingPunct="1"/>
             <a:r>
+              <a:rPr lang="de-DE" sz="3600" dirty="0" err="1">
+                <a:latin typeface="Candara" panose="020E0502030303020204" pitchFamily="34" charset="0"/>
+              </a:rPr>
+              <a:t>About</a:t>
+            </a:r>
+            <a:r>
               <a:rPr lang="de-DE" sz="3600" dirty="0">
                 <a:latin typeface="Candara" panose="020E0502030303020204" pitchFamily="34" charset="0"/>
               </a:rPr>
-              <a:t>Seminars</a:t>
+              <a:t> </a:t>
+            </a:r>
+            <a:r>
+              <a:rPr lang="de-DE" sz="3600" dirty="0" err="1">
+                <a:latin typeface="Candara" panose="020E0502030303020204" pitchFamily="34" charset="0"/>
+              </a:rPr>
+              <a:t>me</a:t>
             </a:r>
             <a:endParaRPr lang="en-GB" sz="3600" dirty="0">
               <a:latin typeface="Candara" panose="020E0502030303020204" pitchFamily="34" charset="0"/>
@@ -4481,7 +4993,7 @@
       </p:sp>
       <p:sp>
         <p:nvSpPr>
-          <p:cNvPr id="5123" name="Rectangle 3"/>
+          <p:cNvPr id="3075" name="Rectangle 3"/>
           <p:cNvSpPr>
             <a:spLocks noGrp="1" noChangeArrowheads="1"/>
           </p:cNvSpPr>
@@ -4491,62 +5003,187 @@
         </p:nvSpPr>
         <p:spPr>
           <a:xfrm>
-            <a:off x="685800" y="1066800"/>
-            <a:ext cx="7772400" cy="5029200"/>
+            <a:off x="685800" y="1143000"/>
+            <a:ext cx="7772400" cy="4495800"/>
           </a:xfrm>
         </p:spPr>
         <p:txBody>
           <a:bodyPr/>
           <a:lstStyle/>
           <a:p>
-            <a:pPr eaLnBrk="1" hangingPunct="1"/>
-            <a:r>
-              <a:rPr lang="de-DE" sz="2800" dirty="0" smtClean="0">
-                <a:latin typeface="Candara" panose="020E0502030303020204" pitchFamily="34" charset="0"/>
-              </a:rPr>
-              <a:t>Problem sets</a:t>
-            </a:r>
-          </a:p>
-          <a:p>
-            <a:pPr eaLnBrk="1" hangingPunct="1"/>
-            <a:r>
-              <a:rPr lang="de-DE" sz="2800" dirty="0" smtClean="0">
-                <a:latin typeface="Candara" panose="020E0502030303020204" pitchFamily="34" charset="0"/>
-              </a:rPr>
-              <a:t>Readings</a:t>
-            </a:r>
-          </a:p>
-          <a:p>
-            <a:pPr eaLnBrk="1" hangingPunct="1"/>
-            <a:r>
-              <a:rPr lang="de-DE" sz="2800" dirty="0" smtClean="0">
-                <a:latin typeface="Candara" panose="020E0502030303020204" pitchFamily="34" charset="0"/>
-              </a:rPr>
-              <a:t>Exam preparation</a:t>
-            </a:r>
-          </a:p>
-          <a:p>
-            <a:pPr marL="0" indent="0" eaLnBrk="1" hangingPunct="1">
-              <a:buNone/>
+            <a:pPr eaLnBrk="1" hangingPunct="1">
+              <a:lnSpc>
+                <a:spcPct val="90000"/>
+              </a:lnSpc>
             </a:pPr>
-            <a:endParaRPr lang="de-DE" sz="2800" dirty="0" smtClean="0">
+            <a:r>
+              <a:rPr lang="de-DE" sz="2800" dirty="0">
+                <a:latin typeface="Candara" panose="020E0502030303020204" pitchFamily="34" charset="0"/>
+              </a:rPr>
+              <a:t>Dr Richard S.J. Tol MAE</a:t>
+            </a:r>
+          </a:p>
+          <a:p>
+            <a:pPr eaLnBrk="1" hangingPunct="1">
+              <a:lnSpc>
+                <a:spcPct val="90000"/>
+              </a:lnSpc>
+            </a:pPr>
+            <a:r>
+              <a:rPr lang="de-DE" sz="2800" dirty="0">
+                <a:latin typeface="Candara" panose="020E0502030303020204" pitchFamily="34" charset="0"/>
+              </a:rPr>
+              <a:t>Professor of economics</a:t>
+            </a:r>
+          </a:p>
+          <a:p>
+            <a:pPr eaLnBrk="1" hangingPunct="1">
+              <a:lnSpc>
+                <a:spcPct val="90000"/>
+              </a:lnSpc>
+            </a:pPr>
+            <a:r>
+              <a:rPr lang="de-DE" sz="2800" dirty="0">
+                <a:latin typeface="Candara" panose="020E0502030303020204" pitchFamily="34" charset="0"/>
+              </a:rPr>
+              <a:t>Working </a:t>
+            </a:r>
+            <a:r>
+              <a:rPr lang="de-DE" sz="2800" dirty="0" err="1">
+                <a:latin typeface="Candara" panose="020E0502030303020204" pitchFamily="34" charset="0"/>
+              </a:rPr>
+              <a:t>from</a:t>
+            </a:r>
+            <a:r>
+              <a:rPr lang="de-DE" sz="2800" dirty="0">
+                <a:latin typeface="Candara" panose="020E0502030303020204" pitchFamily="34" charset="0"/>
+              </a:rPr>
+              <a:t> </a:t>
+            </a:r>
+            <a:r>
+              <a:rPr lang="de-DE" sz="2800" dirty="0" err="1">
+                <a:latin typeface="Candara" panose="020E0502030303020204" pitchFamily="34" charset="0"/>
+              </a:rPr>
+              <a:t>home</a:t>
+            </a:r>
+            <a:r>
+              <a:rPr lang="de-DE" sz="2800" dirty="0">
+                <a:latin typeface="Candara" panose="020E0502030303020204" pitchFamily="34" charset="0"/>
+              </a:rPr>
+              <a:t> / </a:t>
+            </a:r>
+            <a:r>
+              <a:rPr lang="de-DE" sz="2800" dirty="0" err="1">
+                <a:latin typeface="Candara" panose="020E0502030303020204" pitchFamily="34" charset="0"/>
+              </a:rPr>
+              <a:t>Jub</a:t>
+            </a:r>
+            <a:r>
+              <a:rPr lang="de-DE" sz="2800" dirty="0">
+                <a:latin typeface="Candara" panose="020E0502030303020204" pitchFamily="34" charset="0"/>
+              </a:rPr>
+              <a:t> 281</a:t>
+            </a:r>
+          </a:p>
+          <a:p>
+            <a:pPr eaLnBrk="1" hangingPunct="1">
+              <a:lnSpc>
+                <a:spcPct val="90000"/>
+              </a:lnSpc>
+            </a:pPr>
+            <a:r>
+              <a:rPr lang="de-DE" sz="2800" dirty="0">
+                <a:latin typeface="Candara" panose="020E0502030303020204" pitchFamily="34" charset="0"/>
+              </a:rPr>
+              <a:t>24-7 Office hours</a:t>
+            </a:r>
+          </a:p>
+          <a:p>
+            <a:pPr lvl="1" eaLnBrk="1" hangingPunct="1">
+              <a:lnSpc>
+                <a:spcPct val="90000"/>
+              </a:lnSpc>
+            </a:pPr>
+            <a:r>
+              <a:rPr lang="de-DE" sz="2400" dirty="0">
+                <a:latin typeface="Candara" panose="020E0502030303020204" pitchFamily="34" charset="0"/>
+              </a:rPr>
+              <a:t>Email: </a:t>
+            </a:r>
+            <a:r>
+              <a:rPr lang="de-DE" sz="2400" b="1" dirty="0">
+                <a:latin typeface="Candara" panose="020E0502030303020204" pitchFamily="34" charset="0"/>
+                <a:hlinkClick r:id="rId2"/>
+              </a:rPr>
+              <a:t>r.tol@sussex.ac.uk</a:t>
+            </a:r>
+            <a:endParaRPr lang="de-DE" sz="2400" b="1" dirty="0">
               <a:latin typeface="Candara" panose="020E0502030303020204" pitchFamily="34" charset="0"/>
             </a:endParaRPr>
           </a:p>
-        </p:txBody>
-      </p:sp>
+          <a:p>
+            <a:pPr lvl="1" eaLnBrk="1" hangingPunct="1">
+              <a:lnSpc>
+                <a:spcPct val="90000"/>
+              </a:lnSpc>
+            </a:pPr>
+            <a:r>
+              <a:rPr lang="de-DE" sz="2400" dirty="0">
+                <a:latin typeface="Candara" panose="020E0502030303020204" pitchFamily="34" charset="0"/>
+              </a:rPr>
+              <a:t>Skype: richardsjtol</a:t>
+            </a:r>
+          </a:p>
+          <a:p>
+            <a:pPr eaLnBrk="1" hangingPunct="1">
+              <a:lnSpc>
+                <a:spcPct val="90000"/>
+              </a:lnSpc>
+            </a:pPr>
+            <a:r>
+              <a:rPr lang="de-DE" sz="2800" dirty="0">
+                <a:latin typeface="Candara" panose="020E0502030303020204" pitchFamily="34" charset="0"/>
+              </a:rPr>
+              <a:t>Key interests: climate, energy, environment</a:t>
+            </a:r>
+          </a:p>
+        </p:txBody>
+      </p:sp>
+      <p:pic>
+        <p:nvPicPr>
+          <p:cNvPr id="2" name="Picture 1"/>
+          <p:cNvPicPr>
+            <a:picLocks noChangeAspect="1"/>
+          </p:cNvPicPr>
+          <p:nvPr/>
+        </p:nvPicPr>
+        <p:blipFill>
+          <a:blip r:embed="rId3">
+            <a:extLst>
+              <a:ext uri="{28A0092B-C50C-407E-A947-70E740481C1C}">
+                <a14:useLocalDpi xmlns:a14="http://schemas.microsoft.com/office/drawing/2010/main" val="0"/>
+              </a:ext>
+            </a:extLst>
+          </a:blip>
+          <a:stretch>
+            <a:fillRect/>
+          </a:stretch>
+        </p:blipFill>
+        <p:spPr>
+          <a:xfrm>
+            <a:off x="6157390" y="76200"/>
+            <a:ext cx="2768896" cy="3810000"/>
+          </a:xfrm>
+          <a:prstGeom prst="rect">
+            <a:avLst/>
+          </a:prstGeom>
+        </p:spPr>
+      </p:pic>
     </p:spTree>
   </p:cSld>
   <p:clrMapOvr>
     <a:masterClrMapping/>
   </p:clrMapOvr>
-  <p:timing>
-    <p:tnLst>
-      <p:par>
-        <p:cTn id="1" dur="indefinite" restart="never" nodeType="tmRoot"/>
-      </p:par>
-    </p:tnLst>
-  </p:timing>
 </p:sld>
 </file>
 
@@ -4569,7 +5206,7 @@
       </p:grpSpPr>
       <p:sp>
         <p:nvSpPr>
-          <p:cNvPr id="5122" name="Rectangle 2"/>
+          <p:cNvPr id="3074" name="Rectangle 2"/>
           <p:cNvSpPr>
             <a:spLocks noGrp="1" noChangeArrowheads="1"/>
           </p:cNvSpPr>
@@ -4589,10 +5226,10 @@
           <a:p>
             <a:pPr eaLnBrk="1" hangingPunct="1"/>
             <a:r>
-              <a:rPr lang="de-DE" sz="3600" dirty="0" smtClean="0">
-                <a:latin typeface="Candara" panose="020E0502030303020204" pitchFamily="34" charset="0"/>
-              </a:rPr>
-              <a:t>Grades</a:t>
+              <a:rPr lang="de-DE" sz="3600" dirty="0">
+                <a:latin typeface="Candara" panose="020E0502030303020204" pitchFamily="34" charset="0"/>
+              </a:rPr>
+              <a:t>The Course</a:t>
             </a:r>
             <a:endParaRPr lang="en-GB" sz="3600" dirty="0">
               <a:latin typeface="Candara" panose="020E0502030303020204" pitchFamily="34" charset="0"/>
@@ -4602,7 +5239,7 @@
       </p:sp>
       <p:sp>
         <p:nvSpPr>
-          <p:cNvPr id="5123" name="Rectangle 3"/>
+          <p:cNvPr id="3075" name="Rectangle 3"/>
           <p:cNvSpPr>
             <a:spLocks noGrp="1" noChangeArrowheads="1"/>
           </p:cNvSpPr>
@@ -4612,63 +5249,174 @@
         </p:nvSpPr>
         <p:spPr>
           <a:xfrm>
-            <a:off x="685800" y="1066800"/>
-            <a:ext cx="7772400" cy="5029200"/>
+            <a:off x="533400" y="1130147"/>
+            <a:ext cx="7772400" cy="4495800"/>
           </a:xfrm>
         </p:spPr>
         <p:txBody>
           <a:bodyPr/>
           <a:lstStyle/>
           <a:p>
-            <a:pPr eaLnBrk="1" hangingPunct="1"/>
-            <a:r>
-              <a:rPr lang="de-DE" sz="2800" dirty="0" smtClean="0">
-                <a:latin typeface="Candara" panose="020E0502030303020204" pitchFamily="34" charset="0"/>
-              </a:rPr>
-              <a:t>70% unseen exam*</a:t>
-            </a:r>
-          </a:p>
-          <a:p>
-            <a:pPr eaLnBrk="1" hangingPunct="1"/>
-            <a:r>
-              <a:rPr lang="de-DE" sz="2800" dirty="0" smtClean="0">
-                <a:latin typeface="Candara" panose="020E0502030303020204" pitchFamily="34" charset="0"/>
-              </a:rPr>
-              <a:t>30% 2,500 word essay</a:t>
-            </a:r>
-          </a:p>
-          <a:p>
-            <a:pPr eaLnBrk="1" hangingPunct="1"/>
-            <a:endParaRPr lang="de-DE" sz="2800" dirty="0">
+            <a:pPr eaLnBrk="1" hangingPunct="1">
+              <a:lnSpc>
+                <a:spcPct val="90000"/>
+              </a:lnSpc>
+            </a:pPr>
+            <a:r>
+              <a:rPr lang="de-DE" sz="2800" dirty="0">
+                <a:latin typeface="Candara" panose="020E0502030303020204" pitchFamily="34" charset="0"/>
+              </a:rPr>
+              <a:t>A comprehensive introduction to the economic theory of environmental pollution and environmental policy</a:t>
+            </a:r>
+          </a:p>
+          <a:p>
+            <a:pPr eaLnBrk="1" hangingPunct="1">
+              <a:lnSpc>
+                <a:spcPct val="90000"/>
+              </a:lnSpc>
+            </a:pPr>
+            <a:r>
+              <a:rPr lang="de-DE" sz="2800" dirty="0">
+                <a:latin typeface="Candara" panose="020E0502030303020204" pitchFamily="34" charset="0"/>
+              </a:rPr>
+              <a:t>Prior knowledge</a:t>
+            </a:r>
+          </a:p>
+          <a:p>
+            <a:pPr lvl="1" eaLnBrk="1" hangingPunct="1">
+              <a:lnSpc>
+                <a:spcPct val="90000"/>
+              </a:lnSpc>
+            </a:pPr>
+            <a:r>
+              <a:rPr lang="de-DE" sz="2400" dirty="0">
+                <a:latin typeface="Candara" panose="020E0502030303020204" pitchFamily="34" charset="0"/>
+              </a:rPr>
+              <a:t>micro, macro, </a:t>
+            </a:r>
+            <a:r>
+              <a:rPr lang="de-DE" sz="2400" dirty="0" err="1">
+                <a:latin typeface="Candara" panose="020E0502030303020204" pitchFamily="34" charset="0"/>
+              </a:rPr>
+              <a:t>calculus</a:t>
+            </a:r>
+            <a:r>
+              <a:rPr lang="de-DE" sz="2400" dirty="0">
+                <a:latin typeface="Candara" panose="020E0502030303020204" pitchFamily="34" charset="0"/>
+              </a:rPr>
+              <a:t>, </a:t>
+            </a:r>
+            <a:r>
+              <a:rPr lang="de-DE" sz="2400" dirty="0" err="1">
+                <a:latin typeface="Candara" panose="020E0502030303020204" pitchFamily="34" charset="0"/>
+              </a:rPr>
+              <a:t>econometrics</a:t>
+            </a:r>
+            <a:endParaRPr lang="de-DE" sz="2400" dirty="0">
               <a:latin typeface="Candara" panose="020E0502030303020204" pitchFamily="34" charset="0"/>
             </a:endParaRPr>
           </a:p>
           <a:p>
-            <a:pPr marL="0" indent="0" eaLnBrk="1" hangingPunct="1">
-              <a:buNone/>
+            <a:pPr eaLnBrk="1" hangingPunct="1">
+              <a:lnSpc>
+                <a:spcPct val="90000"/>
+              </a:lnSpc>
             </a:pPr>
             <a:r>
-              <a:rPr lang="de-DE" sz="2400" dirty="0" smtClean="0">
-                <a:latin typeface="Candara" panose="020E0502030303020204" pitchFamily="34" charset="0"/>
-              </a:rPr>
-              <a:t>*exchange students who leave before Christmas will get an alternative assignment (yet to be decided)</a:t>
-            </a:r>
-          </a:p>
-          <a:p>
-            <a:pPr eaLnBrk="1" hangingPunct="1"/>
-            <a:endParaRPr lang="de-DE" sz="2800" dirty="0">
-              <a:latin typeface="Candara" panose="020E0502030303020204" pitchFamily="34" charset="0"/>
-            </a:endParaRPr>
-          </a:p>
-          <a:p>
-            <a:pPr eaLnBrk="1" hangingPunct="1"/>
-            <a:r>
-              <a:rPr lang="de-DE" sz="2800" dirty="0" smtClean="0">
-                <a:latin typeface="Candara" panose="020E0502030303020204" pitchFamily="34" charset="0"/>
-              </a:rPr>
-              <a:t>Quizzes on Canvas are graded but do not count, for revision only</a:t>
-            </a:r>
-            <a:endParaRPr lang="de-DE" sz="2800" dirty="0">
+              <a:rPr lang="de-DE" sz="2800" dirty="0">
+                <a:latin typeface="Candara" panose="020E0502030303020204" pitchFamily="34" charset="0"/>
+              </a:rPr>
+              <a:t>Book</a:t>
+            </a:r>
+          </a:p>
+          <a:p>
+            <a:pPr lvl="1" eaLnBrk="1" hangingPunct="1">
+              <a:lnSpc>
+                <a:spcPct val="90000"/>
+              </a:lnSpc>
+            </a:pPr>
+            <a:r>
+              <a:rPr lang="de-DE" sz="2400" dirty="0">
+                <a:latin typeface="Candara" panose="020E0502030303020204" pitchFamily="34" charset="0"/>
+              </a:rPr>
+              <a:t>C.D. Kolstad (2011), </a:t>
+            </a:r>
+            <a:r>
+              <a:rPr lang="de-DE" sz="2400" i="1" dirty="0">
+                <a:latin typeface="Candara" panose="020E0502030303020204" pitchFamily="34" charset="0"/>
+              </a:rPr>
+              <a:t>Intermediate Environmental Economics: International Edition (2nd Edition)</a:t>
+            </a:r>
+            <a:r>
+              <a:rPr lang="de-DE" sz="2400" dirty="0">
+                <a:latin typeface="Candara" panose="020E0502030303020204" pitchFamily="34" charset="0"/>
+              </a:rPr>
+              <a:t>, Oxford University Press, ISBN 0199732655</a:t>
+            </a:r>
+          </a:p>
+          <a:p>
+            <a:pPr lvl="1" eaLnBrk="1" hangingPunct="1">
+              <a:lnSpc>
+                <a:spcPct val="90000"/>
+              </a:lnSpc>
+            </a:pPr>
+            <a:r>
+              <a:rPr lang="de-DE" sz="2400" dirty="0">
+                <a:latin typeface="Candara" panose="020E0502030303020204" pitchFamily="34" charset="0"/>
+              </a:rPr>
+              <a:t>R.S.J. Tol (2024), </a:t>
+            </a:r>
+            <a:r>
+              <a:rPr lang="de-DE" sz="2400" i="1" dirty="0">
+                <a:latin typeface="Candara" panose="020E0502030303020204" pitchFamily="34" charset="0"/>
+              </a:rPr>
+              <a:t>Lecture Notes</a:t>
+            </a:r>
+            <a:r>
+              <a:rPr lang="de-DE" sz="2400" dirty="0">
+                <a:latin typeface="Candara" panose="020E0502030303020204" pitchFamily="34" charset="0"/>
+              </a:rPr>
+              <a:t> (unpublished and unfinished), on Canvas</a:t>
+            </a:r>
+          </a:p>
+          <a:p>
+            <a:pPr eaLnBrk="1" hangingPunct="1">
+              <a:lnSpc>
+                <a:spcPct val="90000"/>
+              </a:lnSpc>
+            </a:pPr>
+            <a:r>
+              <a:rPr lang="de-DE" sz="2800" dirty="0">
+                <a:latin typeface="Candara" panose="020E0502030303020204" pitchFamily="34" charset="0"/>
+              </a:rPr>
+              <a:t>Lectures: Tue, 10 - 12 </a:t>
+            </a:r>
+            <a:r>
+              <a:rPr lang="de-DE" sz="2800" dirty="0" err="1">
+                <a:latin typeface="Candara" panose="020E0502030303020204" pitchFamily="34" charset="0"/>
+              </a:rPr>
+              <a:t>pm</a:t>
+            </a:r>
+            <a:r>
+              <a:rPr lang="de-DE" sz="2800" dirty="0">
+                <a:latin typeface="Candara" panose="020E0502030303020204" pitchFamily="34" charset="0"/>
+              </a:rPr>
+              <a:t>, Fulton B</a:t>
+            </a:r>
+          </a:p>
+          <a:p>
+            <a:pPr eaLnBrk="1" hangingPunct="1">
+              <a:lnSpc>
+                <a:spcPct val="90000"/>
+              </a:lnSpc>
+            </a:pPr>
+            <a:r>
+              <a:rPr lang="de-DE" sz="2800" dirty="0">
+                <a:latin typeface="Candara" panose="020E0502030303020204" pitchFamily="34" charset="0"/>
+              </a:rPr>
+              <a:t>Seminars: Monday</a:t>
+            </a:r>
+            <a:endParaRPr lang="en-GB" sz="2800" dirty="0">
               <a:latin typeface="Candara" panose="020E0502030303020204" pitchFamily="34" charset="0"/>
             </a:endParaRPr>
           </a:p>
@@ -4677,20 +5425,369 @@
     </p:spTree>
     <p:extLst>
       <p:ext uri="{BB962C8B-B14F-4D97-AF65-F5344CB8AC3E}">
-        <p14:creationId xmlns:p14="http://schemas.microsoft.com/office/powerpoint/2010/main" val="126692646"/>
+        <p14:creationId xmlns:p14="http://schemas.microsoft.com/office/powerpoint/2010/main" val="1213474219"/>
       </p:ext>
     </p:extLst>
   </p:cSld>
   <p:clrMapOvr>
     <a:masterClrMapping/>
   </p:clrMapOvr>
-  <p:timing>
-    <p:tnLst>
-      <p:par>
-        <p:cTn id="1" dur="indefinite" restart="never" nodeType="tmRoot"/>
-      </p:par>
-    </p:tnLst>
-  </p:timing>
+</p:sld>
+</file>
+
+<file path=ppt/slides/slide8.xml><?xml version="1.0" encoding="utf-8"?>
+<p:sld xmlns:a="http://schemas.openxmlformats.org/drawingml/2006/main" xmlns:r="http://schemas.openxmlformats.org/officeDocument/2006/relationships" xmlns:p="http://schemas.openxmlformats.org/presentationml/2006/main">
+  <p:cSld>
+    <p:spTree>
+      <p:nvGrpSpPr>
+        <p:cNvPr id="1" name=""/>
+        <p:cNvGrpSpPr/>
+        <p:nvPr/>
+      </p:nvGrpSpPr>
+      <p:grpSpPr>
+        <a:xfrm>
+          <a:off x="0" y="0"/>
+          <a:ext cx="0" cy="0"/>
+          <a:chOff x="0" y="0"/>
+          <a:chExt cx="0" cy="0"/>
+        </a:xfrm>
+      </p:grpSpPr>
+      <p:pic>
+        <p:nvPicPr>
+          <p:cNvPr id="3" name="Picture 2" descr="A picture containing person, water sport, swimming, crowd&#10;&#10;Description automatically generated">
+            <a:extLst>
+              <a:ext uri="{FF2B5EF4-FFF2-40B4-BE49-F238E27FC236}">
+                <a16:creationId xmlns:a16="http://schemas.microsoft.com/office/drawing/2014/main" id="{76FE0E3F-E717-F632-BAEB-0FBA07732185}"/>
+              </a:ext>
+            </a:extLst>
+          </p:cNvPr>
+          <p:cNvPicPr>
+            <a:picLocks noChangeAspect="1"/>
+          </p:cNvPicPr>
+          <p:nvPr/>
+        </p:nvPicPr>
+        <p:blipFill>
+          <a:blip r:embed="rId2">
+            <a:extLst>
+              <a:ext uri="{28A0092B-C50C-407E-A947-70E740481C1C}">
+                <a14:useLocalDpi xmlns:a14="http://schemas.microsoft.com/office/drawing/2010/main" val="0"/>
+              </a:ext>
+            </a:extLst>
+          </a:blip>
+          <a:stretch>
+            <a:fillRect/>
+          </a:stretch>
+        </p:blipFill>
+        <p:spPr>
+          <a:xfrm>
+            <a:off x="5410200" y="4648199"/>
+            <a:ext cx="3630729" cy="2151083"/>
+          </a:xfrm>
+          <a:prstGeom prst="rect">
+            <a:avLst/>
+          </a:prstGeom>
+        </p:spPr>
+      </p:pic>
+      <p:sp>
+        <p:nvSpPr>
+          <p:cNvPr id="4099" name="Content Placeholder 2"/>
+          <p:cNvSpPr>
+            <a:spLocks noGrp="1"/>
+          </p:cNvSpPr>
+          <p:nvPr>
+            <p:ph idx="1"/>
+          </p:nvPr>
+        </p:nvSpPr>
+        <p:spPr>
+          <a:xfrm>
+            <a:off x="457200" y="76200"/>
+            <a:ext cx="8229600" cy="5211763"/>
+          </a:xfrm>
+        </p:spPr>
+        <p:txBody>
+          <a:bodyPr/>
+          <a:lstStyle/>
+          <a:p>
+            <a:pPr eaLnBrk="1" hangingPunct="1">
+              <a:buNone/>
+            </a:pPr>
+            <a:r>
+              <a:rPr lang="en-US" sz="2800" dirty="0">
+                <a:latin typeface="Candara" panose="020E0502030303020204" pitchFamily="34" charset="0"/>
+              </a:rPr>
+              <a:t>0 Introduction</a:t>
+            </a:r>
+          </a:p>
+          <a:p>
+            <a:pPr eaLnBrk="1" hangingPunct="1">
+              <a:buNone/>
+            </a:pPr>
+            <a:r>
+              <a:rPr lang="en-US" sz="2800" dirty="0">
+                <a:latin typeface="Candara" panose="020E0502030303020204" pitchFamily="34" charset="0"/>
+              </a:rPr>
+              <a:t>1 Social choice</a:t>
+            </a:r>
+          </a:p>
+          <a:p>
+            <a:pPr eaLnBrk="1" hangingPunct="1">
+              <a:buNone/>
+            </a:pPr>
+            <a:r>
+              <a:rPr lang="en-US" sz="2800" dirty="0">
+                <a:latin typeface="Candara" panose="020E0502030303020204" pitchFamily="34" charset="0"/>
+              </a:rPr>
+              <a:t>2 Externalities and public goods</a:t>
+            </a:r>
+          </a:p>
+          <a:p>
+            <a:pPr eaLnBrk="1" hangingPunct="1">
+              <a:buNone/>
+            </a:pPr>
+            <a:r>
+              <a:rPr lang="en-US" sz="2800" dirty="0">
+                <a:latin typeface="Candara" panose="020E0502030303020204" pitchFamily="34" charset="0"/>
+              </a:rPr>
+              <a:t>3 Decision analysis</a:t>
+            </a:r>
+          </a:p>
+          <a:p>
+            <a:pPr eaLnBrk="1" hangingPunct="1">
+              <a:buNone/>
+            </a:pPr>
+            <a:r>
+              <a:rPr lang="en-US" sz="2800" dirty="0">
+                <a:latin typeface="Candara" panose="020E0502030303020204" pitchFamily="34" charset="0"/>
+              </a:rPr>
+              <a:t>4 Valuation: Aims and purpose</a:t>
+            </a:r>
+          </a:p>
+          <a:p>
+            <a:pPr eaLnBrk="1" hangingPunct="1">
+              <a:buNone/>
+            </a:pPr>
+            <a:r>
+              <a:rPr lang="en-US" sz="2800" dirty="0">
+                <a:latin typeface="Candara" panose="020E0502030303020204" pitchFamily="34" charset="0"/>
+              </a:rPr>
+              <a:t>5 Valuation: Revealed preferences</a:t>
+            </a:r>
+          </a:p>
+          <a:p>
+            <a:pPr eaLnBrk="1" hangingPunct="1">
+              <a:buNone/>
+            </a:pPr>
+            <a:r>
+              <a:rPr lang="en-US" sz="2800" dirty="0">
+                <a:latin typeface="Candara" panose="020E0502030303020204" pitchFamily="34" charset="0"/>
+              </a:rPr>
+              <a:t>6 Valuation: Stated preferences</a:t>
+            </a:r>
+          </a:p>
+          <a:p>
+            <a:pPr eaLnBrk="1" hangingPunct="1">
+              <a:buNone/>
+            </a:pPr>
+            <a:r>
+              <a:rPr lang="en-US" sz="2800" dirty="0">
+                <a:latin typeface="Candara" panose="020E0502030303020204" pitchFamily="34" charset="0"/>
+              </a:rPr>
+              <a:t>7 Direct regulation</a:t>
+            </a:r>
+          </a:p>
+          <a:p>
+            <a:pPr eaLnBrk="1" hangingPunct="1">
+              <a:buNone/>
+            </a:pPr>
+            <a:r>
+              <a:rPr lang="en-US" sz="2800" dirty="0">
+                <a:latin typeface="Candara" panose="020E0502030303020204" pitchFamily="34" charset="0"/>
+              </a:rPr>
+              <a:t>8 Market-based instruments</a:t>
+            </a:r>
+          </a:p>
+          <a:p>
+            <a:pPr eaLnBrk="1" hangingPunct="1">
+              <a:buNone/>
+            </a:pPr>
+            <a:r>
+              <a:rPr lang="en-US" sz="2800" dirty="0">
+                <a:latin typeface="Candara" panose="020E0502030303020204" pitchFamily="34" charset="0"/>
+              </a:rPr>
+              <a:t>9 Complications with instruments / essay due</a:t>
+            </a:r>
+            <a:endParaRPr lang="en-US" sz="2800" strike="sngStrike" dirty="0">
+              <a:latin typeface="Candara" panose="020E0502030303020204" pitchFamily="34" charset="0"/>
+            </a:endParaRPr>
+          </a:p>
+          <a:p>
+            <a:pPr eaLnBrk="1" hangingPunct="1">
+              <a:buNone/>
+            </a:pPr>
+            <a:r>
+              <a:rPr lang="en-US" sz="2800" dirty="0">
+                <a:latin typeface="Candara" panose="020E0502030303020204" pitchFamily="34" charset="0"/>
+              </a:rPr>
+              <a:t>Spring break (3 weeks)</a:t>
+            </a:r>
+          </a:p>
+          <a:p>
+            <a:pPr eaLnBrk="1" hangingPunct="1">
+              <a:buNone/>
+            </a:pPr>
+            <a:r>
+              <a:rPr lang="en-US" sz="2800" dirty="0">
+                <a:latin typeface="Candara" panose="020E0502030303020204" pitchFamily="34" charset="0"/>
+              </a:rPr>
+              <a:t>10 Growth and the environment</a:t>
+            </a:r>
+          </a:p>
+          <a:p>
+            <a:pPr eaLnBrk="1" hangingPunct="1">
+              <a:buNone/>
+            </a:pPr>
+            <a:r>
+              <a:rPr lang="en-US" sz="2800" dirty="0">
+                <a:latin typeface="Candara" panose="020E0502030303020204" pitchFamily="34" charset="0"/>
+              </a:rPr>
+              <a:t>11 Green accounting</a:t>
+            </a:r>
+          </a:p>
+        </p:txBody>
+      </p:sp>
+    </p:spTree>
+    <p:extLst>
+      <p:ext uri="{BB962C8B-B14F-4D97-AF65-F5344CB8AC3E}">
+        <p14:creationId xmlns:p14="http://schemas.microsoft.com/office/powerpoint/2010/main" val="3608554585"/>
+      </p:ext>
+    </p:extLst>
+  </p:cSld>
+  <p:clrMapOvr>
+    <a:masterClrMapping/>
+  </p:clrMapOvr>
+</p:sld>
+</file>
+
+<file path=ppt/slides/slide9.xml><?xml version="1.0" encoding="utf-8"?>
+<p:sld xmlns:a="http://schemas.openxmlformats.org/drawingml/2006/main" xmlns:r="http://schemas.openxmlformats.org/officeDocument/2006/relationships" xmlns:p="http://schemas.openxmlformats.org/presentationml/2006/main">
+  <p:cSld>
+    <p:spTree>
+      <p:nvGrpSpPr>
+        <p:cNvPr id="1" name=""/>
+        <p:cNvGrpSpPr/>
+        <p:nvPr/>
+      </p:nvGrpSpPr>
+      <p:grpSpPr>
+        <a:xfrm>
+          <a:off x="0" y="0"/>
+          <a:ext cx="0" cy="0"/>
+          <a:chOff x="0" y="0"/>
+          <a:chExt cx="0" cy="0"/>
+        </a:xfrm>
+      </p:grpSpPr>
+      <p:sp>
+        <p:nvSpPr>
+          <p:cNvPr id="5122" name="Rectangle 2"/>
+          <p:cNvSpPr>
+            <a:spLocks noGrp="1" noChangeArrowheads="1"/>
+          </p:cNvSpPr>
+          <p:nvPr>
+            <p:ph type="title"/>
+          </p:nvPr>
+        </p:nvSpPr>
+        <p:spPr>
+          <a:xfrm>
+            <a:off x="685800" y="0"/>
+            <a:ext cx="7772400" cy="1143000"/>
+          </a:xfrm>
+        </p:spPr>
+        <p:txBody>
+          <a:bodyPr/>
+          <a:lstStyle/>
+          <a:p>
+            <a:pPr eaLnBrk="1" hangingPunct="1"/>
+            <a:r>
+              <a:rPr lang="de-DE" sz="3600" dirty="0">
+                <a:latin typeface="Candara" panose="020E0502030303020204" pitchFamily="34" charset="0"/>
+              </a:rPr>
+              <a:t>Seminars</a:t>
+            </a:r>
+            <a:endParaRPr lang="en-GB" sz="3600" dirty="0">
+              <a:latin typeface="Candara" panose="020E0502030303020204" pitchFamily="34" charset="0"/>
+            </a:endParaRPr>
+          </a:p>
+        </p:txBody>
+      </p:sp>
+      <p:sp>
+        <p:nvSpPr>
+          <p:cNvPr id="5123" name="Rectangle 3"/>
+          <p:cNvSpPr>
+            <a:spLocks noGrp="1" noChangeArrowheads="1"/>
+          </p:cNvSpPr>
+          <p:nvPr>
+            <p:ph type="body" idx="1"/>
+          </p:nvPr>
+        </p:nvSpPr>
+        <p:spPr>
+          <a:xfrm>
+            <a:off x="685800" y="1066800"/>
+            <a:ext cx="7772400" cy="5029200"/>
+          </a:xfrm>
+        </p:spPr>
+        <p:txBody>
+          <a:bodyPr/>
+          <a:lstStyle/>
+          <a:p>
+            <a:pPr eaLnBrk="1" hangingPunct="1"/>
+            <a:r>
+              <a:rPr lang="de-DE" sz="2800" dirty="0">
+                <a:latin typeface="Candara" panose="020E0502030303020204" pitchFamily="34" charset="0"/>
+              </a:rPr>
+              <a:t>Problem sets / discussions</a:t>
+            </a:r>
+          </a:p>
+          <a:p>
+            <a:pPr eaLnBrk="1" hangingPunct="1"/>
+            <a:r>
+              <a:rPr lang="de-DE" sz="2800" dirty="0">
+                <a:latin typeface="Candara" panose="020E0502030303020204" pitchFamily="34" charset="0"/>
+              </a:rPr>
+              <a:t>Games</a:t>
+            </a:r>
+          </a:p>
+          <a:p>
+            <a:pPr eaLnBrk="1" hangingPunct="1"/>
+            <a:r>
+              <a:rPr lang="de-DE" sz="2800" dirty="0">
+                <a:latin typeface="Candara" panose="020E0502030303020204" pitchFamily="34" charset="0"/>
+              </a:rPr>
+              <a:t>Readings</a:t>
+            </a:r>
+          </a:p>
+          <a:p>
+            <a:pPr eaLnBrk="1" hangingPunct="1"/>
+            <a:r>
+              <a:rPr lang="de-DE" sz="2800" dirty="0">
+                <a:latin typeface="Candara" panose="020E0502030303020204" pitchFamily="34" charset="0"/>
+              </a:rPr>
+              <a:t>Exam preparation</a:t>
+            </a:r>
+          </a:p>
+          <a:p>
+            <a:pPr marL="0" indent="0" eaLnBrk="1" hangingPunct="1">
+              <a:buNone/>
+            </a:pPr>
+            <a:endParaRPr lang="de-DE" sz="2800" dirty="0">
+              <a:latin typeface="Candara" panose="020E0502030303020204" pitchFamily="34" charset="0"/>
+            </a:endParaRPr>
+          </a:p>
+        </p:txBody>
+      </p:sp>
+    </p:spTree>
+  </p:cSld>
+  <p:clrMapOvr>
+    <a:masterClrMapping/>
+  </p:clrMapOvr>
 </p:sld>
 </file>
 
